--- a/AzureDay2022.pptx
+++ b/AzureDay2022.pptx
@@ -13,12 +13,13 @@
     <p:sldId id="258" r:id="rId7"/>
     <p:sldId id="259" r:id="rId8"/>
     <p:sldId id="264" r:id="rId9"/>
-    <p:sldId id="257" r:id="rId10"/>
-    <p:sldId id="260" r:id="rId11"/>
-    <p:sldId id="265" r:id="rId12"/>
-    <p:sldId id="263" r:id="rId13"/>
-    <p:sldId id="266" r:id="rId14"/>
-    <p:sldId id="262" r:id="rId15"/>
+    <p:sldId id="267" r:id="rId10"/>
+    <p:sldId id="257" r:id="rId11"/>
+    <p:sldId id="260" r:id="rId12"/>
+    <p:sldId id="265" r:id="rId13"/>
+    <p:sldId id="263" r:id="rId14"/>
+    <p:sldId id="266" r:id="rId15"/>
+    <p:sldId id="262" r:id="rId16"/>
   </p:sldIdLst>
   <p:sldSz cx="12192000" cy="6858000"/>
   <p:notesSz cx="6858000" cy="9144000"/>
@@ -27825,6 +27826,72 @@
           <a:chExt cx="0" cy="0"/>
         </a:xfrm>
       </p:grpSpPr>
+      <p:pic>
+        <p:nvPicPr>
+          <p:cNvPr id="3" name="Immagine 2">
+            <a:extLst>
+              <a:ext uri="{FF2B5EF4-FFF2-40B4-BE49-F238E27FC236}">
+                <a16:creationId xmlns:a16="http://schemas.microsoft.com/office/drawing/2014/main" id="{BA12BC75-AAEA-6FF7-3670-264F66462587}"/>
+              </a:ext>
+            </a:extLst>
+          </p:cNvPr>
+          <p:cNvPicPr>
+            <a:picLocks noChangeAspect="1"/>
+          </p:cNvPicPr>
+          <p:nvPr/>
+        </p:nvPicPr>
+        <p:blipFill>
+          <a:blip r:embed="rId2">
+            <a:extLst>
+              <a:ext uri="{28A0092B-C50C-407E-A947-70E740481C1C}">
+                <a14:useLocalDpi xmlns:a14="http://schemas.microsoft.com/office/drawing/2010/main" val="0"/>
+              </a:ext>
+            </a:extLst>
+          </a:blip>
+          <a:stretch>
+            <a:fillRect/>
+          </a:stretch>
+        </p:blipFill>
+        <p:spPr>
+          <a:xfrm>
+            <a:off x="2069156" y="1475684"/>
+            <a:ext cx="7437501" cy="5215001"/>
+          </a:xfrm>
+          <a:prstGeom prst="rect">
+            <a:avLst/>
+          </a:prstGeom>
+        </p:spPr>
+      </p:pic>
+    </p:spTree>
+    <p:extLst>
+      <p:ext uri="{BB962C8B-B14F-4D97-AF65-F5344CB8AC3E}">
+        <p14:creationId xmlns:p14="http://schemas.microsoft.com/office/powerpoint/2010/main" val="3958022943"/>
+      </p:ext>
+    </p:extLst>
+  </p:cSld>
+  <p:clrMapOvr>
+    <a:masterClrMapping/>
+  </p:clrMapOvr>
+</p:sld>
+</file>
+
+<file path=ppt/slides/slide11.xml><?xml version="1.0" encoding="utf-8"?>
+<p:sld xmlns:a="http://schemas.openxmlformats.org/drawingml/2006/main" xmlns:r="http://schemas.openxmlformats.org/officeDocument/2006/relationships" xmlns:p="http://schemas.openxmlformats.org/presentationml/2006/main">
+  <p:cSld>
+    <p:spTree>
+      <p:nvGrpSpPr>
+        <p:cNvPr id="1" name=""/>
+        <p:cNvGrpSpPr/>
+        <p:nvPr/>
+      </p:nvGrpSpPr>
+      <p:grpSpPr>
+        <a:xfrm>
+          <a:off x="0" y="0"/>
+          <a:ext cx="0" cy="0"/>
+          <a:chOff x="0" y="0"/>
+          <a:chExt cx="0" cy="0"/>
+        </a:xfrm>
+      </p:grpSpPr>
     </p:spTree>
     <p:extLst>
       <p:ext uri="{BB962C8B-B14F-4D97-AF65-F5344CB8AC3E}">
@@ -28070,6 +28137,3020 @@
       </p:grpSpPr>
       <p:sp>
         <p:nvSpPr>
+          <p:cNvPr id="5" name="Titolo 4">
+            <a:extLst>
+              <a:ext uri="{FF2B5EF4-FFF2-40B4-BE49-F238E27FC236}">
+                <a16:creationId xmlns:a16="http://schemas.microsoft.com/office/drawing/2014/main" id="{8CAE0EFC-B7FF-4C7D-BF02-BDDAEA8577D3}"/>
+              </a:ext>
+            </a:extLst>
+          </p:cNvPr>
+          <p:cNvSpPr>
+            <a:spLocks noGrp="1"/>
+          </p:cNvSpPr>
+          <p:nvPr>
+            <p:ph type="title"/>
+          </p:nvPr>
+        </p:nvSpPr>
+        <p:spPr/>
+        <p:txBody>
+          <a:bodyPr>
+            <a:normAutofit fontScale="90000"/>
+          </a:bodyPr>
+          <a:lstStyle/>
+          <a:p>
+            <a:r>
+              <a:rPr lang="en-US" dirty="0"/>
+              <a:t>A</a:t>
+            </a:r>
+            <a:r>
+              <a:rPr lang="en-US"/>
+              <a:t>uthorization </a:t>
+            </a:r>
+            <a:r>
+              <a:rPr lang="en-US" dirty="0"/>
+              <a:t>code flow with PKCE</a:t>
+            </a:r>
+            <a:endParaRPr lang="it-IT" dirty="0"/>
+          </a:p>
+        </p:txBody>
+      </p:sp>
+      <p:grpSp>
+        <p:nvGrpSpPr>
+          <p:cNvPr id="6" name="Gruppo 5">
+            <a:extLst>
+              <a:ext uri="{FF2B5EF4-FFF2-40B4-BE49-F238E27FC236}">
+                <a16:creationId xmlns:a16="http://schemas.microsoft.com/office/drawing/2014/main" id="{7B3BC6ED-192E-250A-A292-846B3E1C0451}"/>
+              </a:ext>
+            </a:extLst>
+          </p:cNvPr>
+          <p:cNvGrpSpPr/>
+          <p:nvPr/>
+        </p:nvGrpSpPr>
+        <p:grpSpPr>
+          <a:xfrm>
+            <a:off x="665282" y="1653480"/>
+            <a:ext cx="9860131" cy="5211082"/>
+            <a:chOff x="1001832" y="1304595"/>
+            <a:chExt cx="9860131" cy="5211082"/>
+          </a:xfrm>
+        </p:grpSpPr>
+        <p:sp>
+          <p:nvSpPr>
+            <p:cNvPr id="7" name="Figura a mano libera: forma 6">
+              <a:extLst>
+                <a:ext uri="{FF2B5EF4-FFF2-40B4-BE49-F238E27FC236}">
+                  <a16:creationId xmlns:a16="http://schemas.microsoft.com/office/drawing/2014/main" id="{A99031B2-A18B-6013-A0DE-9A08A3054771}"/>
+                </a:ext>
+              </a:extLst>
+            </p:cNvPr>
+            <p:cNvSpPr/>
+            <p:nvPr/>
+          </p:nvSpPr>
+          <p:spPr>
+            <a:xfrm>
+              <a:off x="4048298" y="1701919"/>
+              <a:ext cx="83127" cy="4765964"/>
+            </a:xfrm>
+            <a:custGeom>
+              <a:avLst/>
+              <a:gdLst>
+                <a:gd name="connsiteX0" fmla="*/ 60960 w 83127"/>
+                <a:gd name="connsiteY0" fmla="*/ 0 h 4765964"/>
+                <a:gd name="connsiteX1" fmla="*/ 44335 w 83127"/>
+                <a:gd name="connsiteY1" fmla="*/ 133004 h 4765964"/>
+                <a:gd name="connsiteX2" fmla="*/ 33251 w 83127"/>
+                <a:gd name="connsiteY2" fmla="*/ 193964 h 4765964"/>
+                <a:gd name="connsiteX3" fmla="*/ 27709 w 83127"/>
+                <a:gd name="connsiteY3" fmla="*/ 315884 h 4765964"/>
+                <a:gd name="connsiteX4" fmla="*/ 22167 w 83127"/>
+                <a:gd name="connsiteY4" fmla="*/ 365760 h 4765964"/>
+                <a:gd name="connsiteX5" fmla="*/ 16625 w 83127"/>
+                <a:gd name="connsiteY5" fmla="*/ 493222 h 4765964"/>
+                <a:gd name="connsiteX6" fmla="*/ 11084 w 83127"/>
+                <a:gd name="connsiteY6" fmla="*/ 537557 h 4765964"/>
+                <a:gd name="connsiteX7" fmla="*/ 5542 w 83127"/>
+                <a:gd name="connsiteY7" fmla="*/ 587433 h 4765964"/>
+                <a:gd name="connsiteX8" fmla="*/ 11084 w 83127"/>
+                <a:gd name="connsiteY8" fmla="*/ 809106 h 4765964"/>
+                <a:gd name="connsiteX9" fmla="*/ 22167 w 83127"/>
+                <a:gd name="connsiteY9" fmla="*/ 1241368 h 4765964"/>
+                <a:gd name="connsiteX10" fmla="*/ 27709 w 83127"/>
+                <a:gd name="connsiteY10" fmla="*/ 1313411 h 4765964"/>
+                <a:gd name="connsiteX11" fmla="*/ 33251 w 83127"/>
+                <a:gd name="connsiteY11" fmla="*/ 1446415 h 4765964"/>
+                <a:gd name="connsiteX12" fmla="*/ 38793 w 83127"/>
+                <a:gd name="connsiteY12" fmla="*/ 1679171 h 4765964"/>
+                <a:gd name="connsiteX13" fmla="*/ 49876 w 83127"/>
+                <a:gd name="connsiteY13" fmla="*/ 1762299 h 4765964"/>
+                <a:gd name="connsiteX14" fmla="*/ 55418 w 83127"/>
+                <a:gd name="connsiteY14" fmla="*/ 1856510 h 4765964"/>
+                <a:gd name="connsiteX15" fmla="*/ 77585 w 83127"/>
+                <a:gd name="connsiteY15" fmla="*/ 2000597 h 4765964"/>
+                <a:gd name="connsiteX16" fmla="*/ 83127 w 83127"/>
+                <a:gd name="connsiteY16" fmla="*/ 2067099 h 4765964"/>
+                <a:gd name="connsiteX17" fmla="*/ 77585 w 83127"/>
+                <a:gd name="connsiteY17" fmla="*/ 2759826 h 4765964"/>
+                <a:gd name="connsiteX18" fmla="*/ 66502 w 83127"/>
+                <a:gd name="connsiteY18" fmla="*/ 2848495 h 4765964"/>
+                <a:gd name="connsiteX19" fmla="*/ 60960 w 83127"/>
+                <a:gd name="connsiteY19" fmla="*/ 2953790 h 4765964"/>
+                <a:gd name="connsiteX20" fmla="*/ 55418 w 83127"/>
+                <a:gd name="connsiteY20" fmla="*/ 3003666 h 4765964"/>
+                <a:gd name="connsiteX21" fmla="*/ 44335 w 83127"/>
+                <a:gd name="connsiteY21" fmla="*/ 3136670 h 4765964"/>
+                <a:gd name="connsiteX22" fmla="*/ 33251 w 83127"/>
+                <a:gd name="connsiteY22" fmla="*/ 3186546 h 4765964"/>
+                <a:gd name="connsiteX23" fmla="*/ 27709 w 83127"/>
+                <a:gd name="connsiteY23" fmla="*/ 3269673 h 4765964"/>
+                <a:gd name="connsiteX24" fmla="*/ 16625 w 83127"/>
+                <a:gd name="connsiteY24" fmla="*/ 3358342 h 4765964"/>
+                <a:gd name="connsiteX25" fmla="*/ 11084 w 83127"/>
+                <a:gd name="connsiteY25" fmla="*/ 3491346 h 4765964"/>
+                <a:gd name="connsiteX26" fmla="*/ 0 w 83127"/>
+                <a:gd name="connsiteY26" fmla="*/ 3629891 h 4765964"/>
+                <a:gd name="connsiteX27" fmla="*/ 5542 w 83127"/>
+                <a:gd name="connsiteY27" fmla="*/ 3967942 h 4765964"/>
+                <a:gd name="connsiteX28" fmla="*/ 16625 w 83127"/>
+                <a:gd name="connsiteY28" fmla="*/ 4422371 h 4765964"/>
+                <a:gd name="connsiteX29" fmla="*/ 11084 w 83127"/>
+                <a:gd name="connsiteY29" fmla="*/ 4765964 h 4765964"/>
+              </a:gdLst>
+              <a:ahLst/>
+              <a:cxnLst>
+                <a:cxn ang="0">
+                  <a:pos x="connsiteX0" y="connsiteY0"/>
+                </a:cxn>
+                <a:cxn ang="0">
+                  <a:pos x="connsiteX1" y="connsiteY1"/>
+                </a:cxn>
+                <a:cxn ang="0">
+                  <a:pos x="connsiteX2" y="connsiteY2"/>
+                </a:cxn>
+                <a:cxn ang="0">
+                  <a:pos x="connsiteX3" y="connsiteY3"/>
+                </a:cxn>
+                <a:cxn ang="0">
+                  <a:pos x="connsiteX4" y="connsiteY4"/>
+                </a:cxn>
+                <a:cxn ang="0">
+                  <a:pos x="connsiteX5" y="connsiteY5"/>
+                </a:cxn>
+                <a:cxn ang="0">
+                  <a:pos x="connsiteX6" y="connsiteY6"/>
+                </a:cxn>
+                <a:cxn ang="0">
+                  <a:pos x="connsiteX7" y="connsiteY7"/>
+                </a:cxn>
+                <a:cxn ang="0">
+                  <a:pos x="connsiteX8" y="connsiteY8"/>
+                </a:cxn>
+                <a:cxn ang="0">
+                  <a:pos x="connsiteX9" y="connsiteY9"/>
+                </a:cxn>
+                <a:cxn ang="0">
+                  <a:pos x="connsiteX10" y="connsiteY10"/>
+                </a:cxn>
+                <a:cxn ang="0">
+                  <a:pos x="connsiteX11" y="connsiteY11"/>
+                </a:cxn>
+                <a:cxn ang="0">
+                  <a:pos x="connsiteX12" y="connsiteY12"/>
+                </a:cxn>
+                <a:cxn ang="0">
+                  <a:pos x="connsiteX13" y="connsiteY13"/>
+                </a:cxn>
+                <a:cxn ang="0">
+                  <a:pos x="connsiteX14" y="connsiteY14"/>
+                </a:cxn>
+                <a:cxn ang="0">
+                  <a:pos x="connsiteX15" y="connsiteY15"/>
+                </a:cxn>
+                <a:cxn ang="0">
+                  <a:pos x="connsiteX16" y="connsiteY16"/>
+                </a:cxn>
+                <a:cxn ang="0">
+                  <a:pos x="connsiteX17" y="connsiteY17"/>
+                </a:cxn>
+                <a:cxn ang="0">
+                  <a:pos x="connsiteX18" y="connsiteY18"/>
+                </a:cxn>
+                <a:cxn ang="0">
+                  <a:pos x="connsiteX19" y="connsiteY19"/>
+                </a:cxn>
+                <a:cxn ang="0">
+                  <a:pos x="connsiteX20" y="connsiteY20"/>
+                </a:cxn>
+                <a:cxn ang="0">
+                  <a:pos x="connsiteX21" y="connsiteY21"/>
+                </a:cxn>
+                <a:cxn ang="0">
+                  <a:pos x="connsiteX22" y="connsiteY22"/>
+                </a:cxn>
+                <a:cxn ang="0">
+                  <a:pos x="connsiteX23" y="connsiteY23"/>
+                </a:cxn>
+                <a:cxn ang="0">
+                  <a:pos x="connsiteX24" y="connsiteY24"/>
+                </a:cxn>
+                <a:cxn ang="0">
+                  <a:pos x="connsiteX25" y="connsiteY25"/>
+                </a:cxn>
+                <a:cxn ang="0">
+                  <a:pos x="connsiteX26" y="connsiteY26"/>
+                </a:cxn>
+                <a:cxn ang="0">
+                  <a:pos x="connsiteX27" y="connsiteY27"/>
+                </a:cxn>
+                <a:cxn ang="0">
+                  <a:pos x="connsiteX28" y="connsiteY28"/>
+                </a:cxn>
+                <a:cxn ang="0">
+                  <a:pos x="connsiteX29" y="connsiteY29"/>
+                </a:cxn>
+              </a:cxnLst>
+              <a:rect l="l" t="t" r="r" b="b"/>
+              <a:pathLst>
+                <a:path w="83127" h="4765964">
+                  <a:moveTo>
+                    <a:pt x="60960" y="0"/>
+                  </a:moveTo>
+                  <a:cubicBezTo>
+                    <a:pt x="58055" y="24692"/>
+                    <a:pt x="50338" y="96985"/>
+                    <a:pt x="44335" y="133004"/>
+                  </a:cubicBezTo>
+                  <a:cubicBezTo>
+                    <a:pt x="40940" y="153376"/>
+                    <a:pt x="36946" y="173644"/>
+                    <a:pt x="33251" y="193964"/>
+                  </a:cubicBezTo>
+                  <a:cubicBezTo>
+                    <a:pt x="31404" y="234604"/>
+                    <a:pt x="30328" y="275286"/>
+                    <a:pt x="27709" y="315884"/>
+                  </a:cubicBezTo>
+                  <a:cubicBezTo>
+                    <a:pt x="26632" y="332577"/>
+                    <a:pt x="23210" y="349065"/>
+                    <a:pt x="22167" y="365760"/>
+                  </a:cubicBezTo>
+                  <a:cubicBezTo>
+                    <a:pt x="19514" y="408205"/>
+                    <a:pt x="19363" y="450783"/>
+                    <a:pt x="16625" y="493222"/>
+                  </a:cubicBezTo>
+                  <a:cubicBezTo>
+                    <a:pt x="15666" y="508084"/>
+                    <a:pt x="12824" y="522766"/>
+                    <a:pt x="11084" y="537557"/>
+                  </a:cubicBezTo>
+                  <a:cubicBezTo>
+                    <a:pt x="9130" y="554170"/>
+                    <a:pt x="7389" y="570808"/>
+                    <a:pt x="5542" y="587433"/>
+                  </a:cubicBezTo>
+                  <a:cubicBezTo>
+                    <a:pt x="7389" y="661324"/>
+                    <a:pt x="9478" y="735209"/>
+                    <a:pt x="11084" y="809106"/>
+                  </a:cubicBezTo>
+                  <a:cubicBezTo>
+                    <a:pt x="14487" y="965644"/>
+                    <a:pt x="14464" y="1091172"/>
+                    <a:pt x="22167" y="1241368"/>
+                  </a:cubicBezTo>
+                  <a:cubicBezTo>
+                    <a:pt x="23401" y="1265422"/>
+                    <a:pt x="26409" y="1289361"/>
+                    <a:pt x="27709" y="1313411"/>
+                  </a:cubicBezTo>
+                  <a:cubicBezTo>
+                    <a:pt x="30104" y="1357719"/>
+                    <a:pt x="31907" y="1402062"/>
+                    <a:pt x="33251" y="1446415"/>
+                  </a:cubicBezTo>
+                  <a:cubicBezTo>
+                    <a:pt x="35602" y="1523987"/>
+                    <a:pt x="34714" y="1601671"/>
+                    <a:pt x="38793" y="1679171"/>
+                  </a:cubicBezTo>
+                  <a:cubicBezTo>
+                    <a:pt x="40262" y="1707087"/>
+                    <a:pt x="46182" y="1734590"/>
+                    <a:pt x="49876" y="1762299"/>
+                  </a:cubicBezTo>
+                  <a:cubicBezTo>
+                    <a:pt x="51723" y="1793703"/>
+                    <a:pt x="51785" y="1825263"/>
+                    <a:pt x="55418" y="1856510"/>
+                  </a:cubicBezTo>
+                  <a:cubicBezTo>
+                    <a:pt x="61031" y="1904779"/>
+                    <a:pt x="73549" y="1952171"/>
+                    <a:pt x="77585" y="2000597"/>
+                  </a:cubicBezTo>
+                  <a:lnTo>
+                    <a:pt x="83127" y="2067099"/>
+                  </a:lnTo>
+                  <a:cubicBezTo>
+                    <a:pt x="81280" y="2298008"/>
+                    <a:pt x="82497" y="2528962"/>
+                    <a:pt x="77585" y="2759826"/>
+                  </a:cubicBezTo>
+                  <a:cubicBezTo>
+                    <a:pt x="76951" y="2789606"/>
+                    <a:pt x="66502" y="2848495"/>
+                    <a:pt x="66502" y="2848495"/>
+                  </a:cubicBezTo>
+                  <a:cubicBezTo>
+                    <a:pt x="64655" y="2883593"/>
+                    <a:pt x="63464" y="2918732"/>
+                    <a:pt x="60960" y="2953790"/>
+                  </a:cubicBezTo>
+                  <a:cubicBezTo>
+                    <a:pt x="59768" y="2970475"/>
+                    <a:pt x="56752" y="2986992"/>
+                    <a:pt x="55418" y="3003666"/>
+                  </a:cubicBezTo>
+                  <a:cubicBezTo>
+                    <a:pt x="51892" y="3047745"/>
+                    <a:pt x="52068" y="3092850"/>
+                    <a:pt x="44335" y="3136670"/>
+                  </a:cubicBezTo>
+                  <a:cubicBezTo>
+                    <a:pt x="41375" y="3153442"/>
+                    <a:pt x="36946" y="3169921"/>
+                    <a:pt x="33251" y="3186546"/>
+                  </a:cubicBezTo>
+                  <a:cubicBezTo>
+                    <a:pt x="31404" y="3214255"/>
+                    <a:pt x="30384" y="3242032"/>
+                    <a:pt x="27709" y="3269673"/>
+                  </a:cubicBezTo>
+                  <a:cubicBezTo>
+                    <a:pt x="24840" y="3299321"/>
+                    <a:pt x="16625" y="3358342"/>
+                    <a:pt x="16625" y="3358342"/>
+                  </a:cubicBezTo>
+                  <a:cubicBezTo>
+                    <a:pt x="14778" y="3402677"/>
+                    <a:pt x="13796" y="3447056"/>
+                    <a:pt x="11084" y="3491346"/>
+                  </a:cubicBezTo>
+                  <a:cubicBezTo>
+                    <a:pt x="8253" y="3537589"/>
+                    <a:pt x="0" y="3629891"/>
+                    <a:pt x="0" y="3629891"/>
+                  </a:cubicBezTo>
+                  <a:cubicBezTo>
+                    <a:pt x="1847" y="3742575"/>
+                    <a:pt x="3396" y="3855264"/>
+                    <a:pt x="5542" y="3967942"/>
+                  </a:cubicBezTo>
+                  <a:cubicBezTo>
+                    <a:pt x="8493" y="4122891"/>
+                    <a:pt x="12561" y="4267920"/>
+                    <a:pt x="16625" y="4422371"/>
+                  </a:cubicBezTo>
+                  <a:lnTo>
+                    <a:pt x="11084" y="4765964"/>
+                  </a:lnTo>
+                </a:path>
+              </a:pathLst>
+            </a:custGeom>
+            <a:noFill/>
+            <a:ln>
+              <a:solidFill>
+                <a:srgbClr val="59328A"/>
+              </a:solidFill>
+            </a:ln>
+          </p:spPr>
+          <p:style>
+            <a:lnRef idx="3">
+              <a:schemeClr val="accent1"/>
+            </a:lnRef>
+            <a:fillRef idx="0">
+              <a:schemeClr val="accent1"/>
+            </a:fillRef>
+            <a:effectRef idx="2">
+              <a:schemeClr val="accent1"/>
+            </a:effectRef>
+            <a:fontRef idx="minor">
+              <a:schemeClr val="tx1"/>
+            </a:fontRef>
+          </p:style>
+          <p:txBody>
+            <a:bodyPr rtlCol="0" anchor="ctr"/>
+            <a:lstStyle/>
+            <a:p>
+              <a:pPr algn="ctr"/>
+              <a:endParaRPr lang="it-IT"/>
+            </a:p>
+          </p:txBody>
+        </p:sp>
+        <p:sp>
+          <p:nvSpPr>
+            <p:cNvPr id="8" name="Rettangolo con angoli arrotondati 7">
+              <a:extLst>
+                <a:ext uri="{FF2B5EF4-FFF2-40B4-BE49-F238E27FC236}">
+                  <a16:creationId xmlns:a16="http://schemas.microsoft.com/office/drawing/2014/main" id="{DADD4E2D-8033-652A-4B23-E9CD507C46B8}"/>
+                </a:ext>
+              </a:extLst>
+            </p:cNvPr>
+            <p:cNvSpPr/>
+            <p:nvPr/>
+          </p:nvSpPr>
+          <p:spPr>
+            <a:xfrm>
+              <a:off x="3665912" y="1304595"/>
+              <a:ext cx="1047404" cy="432262"/>
+            </a:xfrm>
+            <a:prstGeom prst="roundRect">
+              <a:avLst/>
+            </a:prstGeom>
+          </p:spPr>
+          <p:style>
+            <a:lnRef idx="2">
+              <a:schemeClr val="accent5"/>
+            </a:lnRef>
+            <a:fillRef idx="1">
+              <a:schemeClr val="lt1"/>
+            </a:fillRef>
+            <a:effectRef idx="0">
+              <a:schemeClr val="accent5"/>
+            </a:effectRef>
+            <a:fontRef idx="minor">
+              <a:schemeClr val="dk1"/>
+            </a:fontRef>
+          </p:style>
+          <p:txBody>
+            <a:bodyPr rtlCol="0" anchor="ctr"/>
+            <a:lstStyle/>
+            <a:p>
+              <a:pPr algn="ctr"/>
+              <a:r>
+                <a:rPr lang="it-IT" dirty="0"/>
+                <a:t>Client</a:t>
+              </a:r>
+            </a:p>
+          </p:txBody>
+        </p:sp>
+        <p:sp>
+          <p:nvSpPr>
+            <p:cNvPr id="10" name="Rettangolo con angoli arrotondati 9">
+              <a:extLst>
+                <a:ext uri="{FF2B5EF4-FFF2-40B4-BE49-F238E27FC236}">
+                  <a16:creationId xmlns:a16="http://schemas.microsoft.com/office/drawing/2014/main" id="{9D5DC602-C937-8FAA-560D-F5515D88ED5B}"/>
+                </a:ext>
+              </a:extLst>
+            </p:cNvPr>
+            <p:cNvSpPr/>
+            <p:nvPr/>
+          </p:nvSpPr>
+          <p:spPr>
+            <a:xfrm>
+              <a:off x="1001832" y="1304595"/>
+              <a:ext cx="1047404" cy="432262"/>
+            </a:xfrm>
+            <a:prstGeom prst="roundRect">
+              <a:avLst/>
+            </a:prstGeom>
+          </p:spPr>
+          <p:style>
+            <a:lnRef idx="2">
+              <a:schemeClr val="accent5"/>
+            </a:lnRef>
+            <a:fillRef idx="1">
+              <a:schemeClr val="lt1"/>
+            </a:fillRef>
+            <a:effectRef idx="0">
+              <a:schemeClr val="accent5"/>
+            </a:effectRef>
+            <a:fontRef idx="minor">
+              <a:schemeClr val="dk1"/>
+            </a:fontRef>
+          </p:style>
+          <p:txBody>
+            <a:bodyPr rtlCol="0" anchor="ctr"/>
+            <a:lstStyle/>
+            <a:p>
+              <a:pPr algn="ctr"/>
+              <a:r>
+                <a:rPr lang="it-IT" dirty="0"/>
+                <a:t>Utente</a:t>
+              </a:r>
+            </a:p>
+          </p:txBody>
+        </p:sp>
+        <p:sp>
+          <p:nvSpPr>
+            <p:cNvPr id="11" name="Rettangolo con angoli arrotondati 10">
+              <a:extLst>
+                <a:ext uri="{FF2B5EF4-FFF2-40B4-BE49-F238E27FC236}">
+                  <a16:creationId xmlns:a16="http://schemas.microsoft.com/office/drawing/2014/main" id="{56100F84-5C1F-F17F-71D7-38CB2F5C2CB7}"/>
+                </a:ext>
+              </a:extLst>
+            </p:cNvPr>
+            <p:cNvSpPr/>
+            <p:nvPr/>
+          </p:nvSpPr>
+          <p:spPr>
+            <a:xfrm>
+              <a:off x="6409352" y="1313905"/>
+              <a:ext cx="2432859" cy="432262"/>
+            </a:xfrm>
+            <a:prstGeom prst="roundRect">
+              <a:avLst/>
+            </a:prstGeom>
+          </p:spPr>
+          <p:style>
+            <a:lnRef idx="2">
+              <a:schemeClr val="accent5"/>
+            </a:lnRef>
+            <a:fillRef idx="1">
+              <a:schemeClr val="lt1"/>
+            </a:fillRef>
+            <a:effectRef idx="0">
+              <a:schemeClr val="accent5"/>
+            </a:effectRef>
+            <a:fontRef idx="minor">
+              <a:schemeClr val="dk1"/>
+            </a:fontRef>
+          </p:style>
+          <p:txBody>
+            <a:bodyPr rtlCol="0" anchor="ctr"/>
+            <a:lstStyle/>
+            <a:p>
+              <a:pPr algn="ctr"/>
+              <a:r>
+                <a:rPr lang="it-IT" dirty="0" err="1"/>
+                <a:t>Authorization</a:t>
+              </a:r>
+              <a:r>
+                <a:rPr lang="it-IT" dirty="0"/>
+                <a:t> server</a:t>
+              </a:r>
+            </a:p>
+          </p:txBody>
+        </p:sp>
+        <p:sp>
+          <p:nvSpPr>
+            <p:cNvPr id="12" name="Rettangolo con angoli arrotondati 11">
+              <a:extLst>
+                <a:ext uri="{FF2B5EF4-FFF2-40B4-BE49-F238E27FC236}">
+                  <a16:creationId xmlns:a16="http://schemas.microsoft.com/office/drawing/2014/main" id="{D3EFE5A2-C96E-2ADC-56A5-00319E3EF6A6}"/>
+                </a:ext>
+              </a:extLst>
+            </p:cNvPr>
+            <p:cNvSpPr/>
+            <p:nvPr/>
+          </p:nvSpPr>
+          <p:spPr>
+            <a:xfrm>
+              <a:off x="9814559" y="1304595"/>
+              <a:ext cx="1047404" cy="432262"/>
+            </a:xfrm>
+            <a:prstGeom prst="roundRect">
+              <a:avLst/>
+            </a:prstGeom>
+          </p:spPr>
+          <p:style>
+            <a:lnRef idx="2">
+              <a:schemeClr val="accent5"/>
+            </a:lnRef>
+            <a:fillRef idx="1">
+              <a:schemeClr val="lt1"/>
+            </a:fillRef>
+            <a:effectRef idx="0">
+              <a:schemeClr val="accent5"/>
+            </a:effectRef>
+            <a:fontRef idx="minor">
+              <a:schemeClr val="dk1"/>
+            </a:fontRef>
+          </p:style>
+          <p:txBody>
+            <a:bodyPr rtlCol="0" anchor="ctr"/>
+            <a:lstStyle/>
+            <a:p>
+              <a:pPr algn="ctr"/>
+              <a:r>
+                <a:rPr lang="it-IT" dirty="0"/>
+                <a:t>Api</a:t>
+              </a:r>
+            </a:p>
+          </p:txBody>
+        </p:sp>
+        <p:sp>
+          <p:nvSpPr>
+            <p:cNvPr id="13" name="Figura a mano libera: forma 12">
+              <a:extLst>
+                <a:ext uri="{FF2B5EF4-FFF2-40B4-BE49-F238E27FC236}">
+                  <a16:creationId xmlns:a16="http://schemas.microsoft.com/office/drawing/2014/main" id="{C818DC89-A622-FC0D-D858-150DC140457B}"/>
+                </a:ext>
+              </a:extLst>
+            </p:cNvPr>
+            <p:cNvSpPr/>
+            <p:nvPr/>
+          </p:nvSpPr>
+          <p:spPr>
+            <a:xfrm>
+              <a:off x="1402080" y="1749713"/>
+              <a:ext cx="83127" cy="4765964"/>
+            </a:xfrm>
+            <a:custGeom>
+              <a:avLst/>
+              <a:gdLst>
+                <a:gd name="connsiteX0" fmla="*/ 60960 w 83127"/>
+                <a:gd name="connsiteY0" fmla="*/ 0 h 4765964"/>
+                <a:gd name="connsiteX1" fmla="*/ 44335 w 83127"/>
+                <a:gd name="connsiteY1" fmla="*/ 133004 h 4765964"/>
+                <a:gd name="connsiteX2" fmla="*/ 33251 w 83127"/>
+                <a:gd name="connsiteY2" fmla="*/ 193964 h 4765964"/>
+                <a:gd name="connsiteX3" fmla="*/ 27709 w 83127"/>
+                <a:gd name="connsiteY3" fmla="*/ 315884 h 4765964"/>
+                <a:gd name="connsiteX4" fmla="*/ 22167 w 83127"/>
+                <a:gd name="connsiteY4" fmla="*/ 365760 h 4765964"/>
+                <a:gd name="connsiteX5" fmla="*/ 16625 w 83127"/>
+                <a:gd name="connsiteY5" fmla="*/ 493222 h 4765964"/>
+                <a:gd name="connsiteX6" fmla="*/ 11084 w 83127"/>
+                <a:gd name="connsiteY6" fmla="*/ 537557 h 4765964"/>
+                <a:gd name="connsiteX7" fmla="*/ 5542 w 83127"/>
+                <a:gd name="connsiteY7" fmla="*/ 587433 h 4765964"/>
+                <a:gd name="connsiteX8" fmla="*/ 11084 w 83127"/>
+                <a:gd name="connsiteY8" fmla="*/ 809106 h 4765964"/>
+                <a:gd name="connsiteX9" fmla="*/ 22167 w 83127"/>
+                <a:gd name="connsiteY9" fmla="*/ 1241368 h 4765964"/>
+                <a:gd name="connsiteX10" fmla="*/ 27709 w 83127"/>
+                <a:gd name="connsiteY10" fmla="*/ 1313411 h 4765964"/>
+                <a:gd name="connsiteX11" fmla="*/ 33251 w 83127"/>
+                <a:gd name="connsiteY11" fmla="*/ 1446415 h 4765964"/>
+                <a:gd name="connsiteX12" fmla="*/ 38793 w 83127"/>
+                <a:gd name="connsiteY12" fmla="*/ 1679171 h 4765964"/>
+                <a:gd name="connsiteX13" fmla="*/ 49876 w 83127"/>
+                <a:gd name="connsiteY13" fmla="*/ 1762299 h 4765964"/>
+                <a:gd name="connsiteX14" fmla="*/ 55418 w 83127"/>
+                <a:gd name="connsiteY14" fmla="*/ 1856510 h 4765964"/>
+                <a:gd name="connsiteX15" fmla="*/ 77585 w 83127"/>
+                <a:gd name="connsiteY15" fmla="*/ 2000597 h 4765964"/>
+                <a:gd name="connsiteX16" fmla="*/ 83127 w 83127"/>
+                <a:gd name="connsiteY16" fmla="*/ 2067099 h 4765964"/>
+                <a:gd name="connsiteX17" fmla="*/ 77585 w 83127"/>
+                <a:gd name="connsiteY17" fmla="*/ 2759826 h 4765964"/>
+                <a:gd name="connsiteX18" fmla="*/ 66502 w 83127"/>
+                <a:gd name="connsiteY18" fmla="*/ 2848495 h 4765964"/>
+                <a:gd name="connsiteX19" fmla="*/ 60960 w 83127"/>
+                <a:gd name="connsiteY19" fmla="*/ 2953790 h 4765964"/>
+                <a:gd name="connsiteX20" fmla="*/ 55418 w 83127"/>
+                <a:gd name="connsiteY20" fmla="*/ 3003666 h 4765964"/>
+                <a:gd name="connsiteX21" fmla="*/ 44335 w 83127"/>
+                <a:gd name="connsiteY21" fmla="*/ 3136670 h 4765964"/>
+                <a:gd name="connsiteX22" fmla="*/ 33251 w 83127"/>
+                <a:gd name="connsiteY22" fmla="*/ 3186546 h 4765964"/>
+                <a:gd name="connsiteX23" fmla="*/ 27709 w 83127"/>
+                <a:gd name="connsiteY23" fmla="*/ 3269673 h 4765964"/>
+                <a:gd name="connsiteX24" fmla="*/ 16625 w 83127"/>
+                <a:gd name="connsiteY24" fmla="*/ 3358342 h 4765964"/>
+                <a:gd name="connsiteX25" fmla="*/ 11084 w 83127"/>
+                <a:gd name="connsiteY25" fmla="*/ 3491346 h 4765964"/>
+                <a:gd name="connsiteX26" fmla="*/ 0 w 83127"/>
+                <a:gd name="connsiteY26" fmla="*/ 3629891 h 4765964"/>
+                <a:gd name="connsiteX27" fmla="*/ 5542 w 83127"/>
+                <a:gd name="connsiteY27" fmla="*/ 3967942 h 4765964"/>
+                <a:gd name="connsiteX28" fmla="*/ 16625 w 83127"/>
+                <a:gd name="connsiteY28" fmla="*/ 4422371 h 4765964"/>
+                <a:gd name="connsiteX29" fmla="*/ 11084 w 83127"/>
+                <a:gd name="connsiteY29" fmla="*/ 4765964 h 4765964"/>
+              </a:gdLst>
+              <a:ahLst/>
+              <a:cxnLst>
+                <a:cxn ang="0">
+                  <a:pos x="connsiteX0" y="connsiteY0"/>
+                </a:cxn>
+                <a:cxn ang="0">
+                  <a:pos x="connsiteX1" y="connsiteY1"/>
+                </a:cxn>
+                <a:cxn ang="0">
+                  <a:pos x="connsiteX2" y="connsiteY2"/>
+                </a:cxn>
+                <a:cxn ang="0">
+                  <a:pos x="connsiteX3" y="connsiteY3"/>
+                </a:cxn>
+                <a:cxn ang="0">
+                  <a:pos x="connsiteX4" y="connsiteY4"/>
+                </a:cxn>
+                <a:cxn ang="0">
+                  <a:pos x="connsiteX5" y="connsiteY5"/>
+                </a:cxn>
+                <a:cxn ang="0">
+                  <a:pos x="connsiteX6" y="connsiteY6"/>
+                </a:cxn>
+                <a:cxn ang="0">
+                  <a:pos x="connsiteX7" y="connsiteY7"/>
+                </a:cxn>
+                <a:cxn ang="0">
+                  <a:pos x="connsiteX8" y="connsiteY8"/>
+                </a:cxn>
+                <a:cxn ang="0">
+                  <a:pos x="connsiteX9" y="connsiteY9"/>
+                </a:cxn>
+                <a:cxn ang="0">
+                  <a:pos x="connsiteX10" y="connsiteY10"/>
+                </a:cxn>
+                <a:cxn ang="0">
+                  <a:pos x="connsiteX11" y="connsiteY11"/>
+                </a:cxn>
+                <a:cxn ang="0">
+                  <a:pos x="connsiteX12" y="connsiteY12"/>
+                </a:cxn>
+                <a:cxn ang="0">
+                  <a:pos x="connsiteX13" y="connsiteY13"/>
+                </a:cxn>
+                <a:cxn ang="0">
+                  <a:pos x="connsiteX14" y="connsiteY14"/>
+                </a:cxn>
+                <a:cxn ang="0">
+                  <a:pos x="connsiteX15" y="connsiteY15"/>
+                </a:cxn>
+                <a:cxn ang="0">
+                  <a:pos x="connsiteX16" y="connsiteY16"/>
+                </a:cxn>
+                <a:cxn ang="0">
+                  <a:pos x="connsiteX17" y="connsiteY17"/>
+                </a:cxn>
+                <a:cxn ang="0">
+                  <a:pos x="connsiteX18" y="connsiteY18"/>
+                </a:cxn>
+                <a:cxn ang="0">
+                  <a:pos x="connsiteX19" y="connsiteY19"/>
+                </a:cxn>
+                <a:cxn ang="0">
+                  <a:pos x="connsiteX20" y="connsiteY20"/>
+                </a:cxn>
+                <a:cxn ang="0">
+                  <a:pos x="connsiteX21" y="connsiteY21"/>
+                </a:cxn>
+                <a:cxn ang="0">
+                  <a:pos x="connsiteX22" y="connsiteY22"/>
+                </a:cxn>
+                <a:cxn ang="0">
+                  <a:pos x="connsiteX23" y="connsiteY23"/>
+                </a:cxn>
+                <a:cxn ang="0">
+                  <a:pos x="connsiteX24" y="connsiteY24"/>
+                </a:cxn>
+                <a:cxn ang="0">
+                  <a:pos x="connsiteX25" y="connsiteY25"/>
+                </a:cxn>
+                <a:cxn ang="0">
+                  <a:pos x="connsiteX26" y="connsiteY26"/>
+                </a:cxn>
+                <a:cxn ang="0">
+                  <a:pos x="connsiteX27" y="connsiteY27"/>
+                </a:cxn>
+                <a:cxn ang="0">
+                  <a:pos x="connsiteX28" y="connsiteY28"/>
+                </a:cxn>
+                <a:cxn ang="0">
+                  <a:pos x="connsiteX29" y="connsiteY29"/>
+                </a:cxn>
+              </a:cxnLst>
+              <a:rect l="l" t="t" r="r" b="b"/>
+              <a:pathLst>
+                <a:path w="83127" h="4765964">
+                  <a:moveTo>
+                    <a:pt x="60960" y="0"/>
+                  </a:moveTo>
+                  <a:cubicBezTo>
+                    <a:pt x="58055" y="24692"/>
+                    <a:pt x="50338" y="96985"/>
+                    <a:pt x="44335" y="133004"/>
+                  </a:cubicBezTo>
+                  <a:cubicBezTo>
+                    <a:pt x="40940" y="153376"/>
+                    <a:pt x="36946" y="173644"/>
+                    <a:pt x="33251" y="193964"/>
+                  </a:cubicBezTo>
+                  <a:cubicBezTo>
+                    <a:pt x="31404" y="234604"/>
+                    <a:pt x="30328" y="275286"/>
+                    <a:pt x="27709" y="315884"/>
+                  </a:cubicBezTo>
+                  <a:cubicBezTo>
+                    <a:pt x="26632" y="332577"/>
+                    <a:pt x="23210" y="349065"/>
+                    <a:pt x="22167" y="365760"/>
+                  </a:cubicBezTo>
+                  <a:cubicBezTo>
+                    <a:pt x="19514" y="408205"/>
+                    <a:pt x="19363" y="450783"/>
+                    <a:pt x="16625" y="493222"/>
+                  </a:cubicBezTo>
+                  <a:cubicBezTo>
+                    <a:pt x="15666" y="508084"/>
+                    <a:pt x="12824" y="522766"/>
+                    <a:pt x="11084" y="537557"/>
+                  </a:cubicBezTo>
+                  <a:cubicBezTo>
+                    <a:pt x="9130" y="554170"/>
+                    <a:pt x="7389" y="570808"/>
+                    <a:pt x="5542" y="587433"/>
+                  </a:cubicBezTo>
+                  <a:cubicBezTo>
+                    <a:pt x="7389" y="661324"/>
+                    <a:pt x="9478" y="735209"/>
+                    <a:pt x="11084" y="809106"/>
+                  </a:cubicBezTo>
+                  <a:cubicBezTo>
+                    <a:pt x="14487" y="965644"/>
+                    <a:pt x="14464" y="1091172"/>
+                    <a:pt x="22167" y="1241368"/>
+                  </a:cubicBezTo>
+                  <a:cubicBezTo>
+                    <a:pt x="23401" y="1265422"/>
+                    <a:pt x="26409" y="1289361"/>
+                    <a:pt x="27709" y="1313411"/>
+                  </a:cubicBezTo>
+                  <a:cubicBezTo>
+                    <a:pt x="30104" y="1357719"/>
+                    <a:pt x="31907" y="1402062"/>
+                    <a:pt x="33251" y="1446415"/>
+                  </a:cubicBezTo>
+                  <a:cubicBezTo>
+                    <a:pt x="35602" y="1523987"/>
+                    <a:pt x="34714" y="1601671"/>
+                    <a:pt x="38793" y="1679171"/>
+                  </a:cubicBezTo>
+                  <a:cubicBezTo>
+                    <a:pt x="40262" y="1707087"/>
+                    <a:pt x="46182" y="1734590"/>
+                    <a:pt x="49876" y="1762299"/>
+                  </a:cubicBezTo>
+                  <a:cubicBezTo>
+                    <a:pt x="51723" y="1793703"/>
+                    <a:pt x="51785" y="1825263"/>
+                    <a:pt x="55418" y="1856510"/>
+                  </a:cubicBezTo>
+                  <a:cubicBezTo>
+                    <a:pt x="61031" y="1904779"/>
+                    <a:pt x="73549" y="1952171"/>
+                    <a:pt x="77585" y="2000597"/>
+                  </a:cubicBezTo>
+                  <a:lnTo>
+                    <a:pt x="83127" y="2067099"/>
+                  </a:lnTo>
+                  <a:cubicBezTo>
+                    <a:pt x="81280" y="2298008"/>
+                    <a:pt x="82497" y="2528962"/>
+                    <a:pt x="77585" y="2759826"/>
+                  </a:cubicBezTo>
+                  <a:cubicBezTo>
+                    <a:pt x="76951" y="2789606"/>
+                    <a:pt x="66502" y="2848495"/>
+                    <a:pt x="66502" y="2848495"/>
+                  </a:cubicBezTo>
+                  <a:cubicBezTo>
+                    <a:pt x="64655" y="2883593"/>
+                    <a:pt x="63464" y="2918732"/>
+                    <a:pt x="60960" y="2953790"/>
+                  </a:cubicBezTo>
+                  <a:cubicBezTo>
+                    <a:pt x="59768" y="2970475"/>
+                    <a:pt x="56752" y="2986992"/>
+                    <a:pt x="55418" y="3003666"/>
+                  </a:cubicBezTo>
+                  <a:cubicBezTo>
+                    <a:pt x="51892" y="3047745"/>
+                    <a:pt x="52068" y="3092850"/>
+                    <a:pt x="44335" y="3136670"/>
+                  </a:cubicBezTo>
+                  <a:cubicBezTo>
+                    <a:pt x="41375" y="3153442"/>
+                    <a:pt x="36946" y="3169921"/>
+                    <a:pt x="33251" y="3186546"/>
+                  </a:cubicBezTo>
+                  <a:cubicBezTo>
+                    <a:pt x="31404" y="3214255"/>
+                    <a:pt x="30384" y="3242032"/>
+                    <a:pt x="27709" y="3269673"/>
+                  </a:cubicBezTo>
+                  <a:cubicBezTo>
+                    <a:pt x="24840" y="3299321"/>
+                    <a:pt x="16625" y="3358342"/>
+                    <a:pt x="16625" y="3358342"/>
+                  </a:cubicBezTo>
+                  <a:cubicBezTo>
+                    <a:pt x="14778" y="3402677"/>
+                    <a:pt x="13796" y="3447056"/>
+                    <a:pt x="11084" y="3491346"/>
+                  </a:cubicBezTo>
+                  <a:cubicBezTo>
+                    <a:pt x="8253" y="3537589"/>
+                    <a:pt x="0" y="3629891"/>
+                    <a:pt x="0" y="3629891"/>
+                  </a:cubicBezTo>
+                  <a:cubicBezTo>
+                    <a:pt x="1847" y="3742575"/>
+                    <a:pt x="3396" y="3855264"/>
+                    <a:pt x="5542" y="3967942"/>
+                  </a:cubicBezTo>
+                  <a:cubicBezTo>
+                    <a:pt x="8493" y="4122891"/>
+                    <a:pt x="12561" y="4267920"/>
+                    <a:pt x="16625" y="4422371"/>
+                  </a:cubicBezTo>
+                  <a:lnTo>
+                    <a:pt x="11084" y="4765964"/>
+                  </a:lnTo>
+                </a:path>
+              </a:pathLst>
+            </a:custGeom>
+            <a:noFill/>
+            <a:ln>
+              <a:solidFill>
+                <a:srgbClr val="59328A"/>
+              </a:solidFill>
+            </a:ln>
+          </p:spPr>
+          <p:style>
+            <a:lnRef idx="3">
+              <a:schemeClr val="accent1"/>
+            </a:lnRef>
+            <a:fillRef idx="0">
+              <a:schemeClr val="accent1"/>
+            </a:fillRef>
+            <a:effectRef idx="2">
+              <a:schemeClr val="accent1"/>
+            </a:effectRef>
+            <a:fontRef idx="minor">
+              <a:schemeClr val="tx1"/>
+            </a:fontRef>
+          </p:style>
+          <p:txBody>
+            <a:bodyPr rtlCol="0" anchor="ctr"/>
+            <a:lstStyle/>
+            <a:p>
+              <a:pPr algn="ctr"/>
+              <a:endParaRPr lang="it-IT"/>
+            </a:p>
+          </p:txBody>
+        </p:sp>
+        <p:sp>
+          <p:nvSpPr>
+            <p:cNvPr id="14" name="Figura a mano libera: forma 13">
+              <a:extLst>
+                <a:ext uri="{FF2B5EF4-FFF2-40B4-BE49-F238E27FC236}">
+                  <a16:creationId xmlns:a16="http://schemas.microsoft.com/office/drawing/2014/main" id="{815C0BFD-A897-722F-9F4A-36C89A14481E}"/>
+                </a:ext>
+              </a:extLst>
+            </p:cNvPr>
+            <p:cNvSpPr/>
+            <p:nvPr/>
+          </p:nvSpPr>
+          <p:spPr>
+            <a:xfrm>
+              <a:off x="7473142" y="1733669"/>
+              <a:ext cx="83127" cy="4765964"/>
+            </a:xfrm>
+            <a:custGeom>
+              <a:avLst/>
+              <a:gdLst>
+                <a:gd name="connsiteX0" fmla="*/ 60960 w 83127"/>
+                <a:gd name="connsiteY0" fmla="*/ 0 h 4765964"/>
+                <a:gd name="connsiteX1" fmla="*/ 44335 w 83127"/>
+                <a:gd name="connsiteY1" fmla="*/ 133004 h 4765964"/>
+                <a:gd name="connsiteX2" fmla="*/ 33251 w 83127"/>
+                <a:gd name="connsiteY2" fmla="*/ 193964 h 4765964"/>
+                <a:gd name="connsiteX3" fmla="*/ 27709 w 83127"/>
+                <a:gd name="connsiteY3" fmla="*/ 315884 h 4765964"/>
+                <a:gd name="connsiteX4" fmla="*/ 22167 w 83127"/>
+                <a:gd name="connsiteY4" fmla="*/ 365760 h 4765964"/>
+                <a:gd name="connsiteX5" fmla="*/ 16625 w 83127"/>
+                <a:gd name="connsiteY5" fmla="*/ 493222 h 4765964"/>
+                <a:gd name="connsiteX6" fmla="*/ 11084 w 83127"/>
+                <a:gd name="connsiteY6" fmla="*/ 537557 h 4765964"/>
+                <a:gd name="connsiteX7" fmla="*/ 5542 w 83127"/>
+                <a:gd name="connsiteY7" fmla="*/ 587433 h 4765964"/>
+                <a:gd name="connsiteX8" fmla="*/ 11084 w 83127"/>
+                <a:gd name="connsiteY8" fmla="*/ 809106 h 4765964"/>
+                <a:gd name="connsiteX9" fmla="*/ 22167 w 83127"/>
+                <a:gd name="connsiteY9" fmla="*/ 1241368 h 4765964"/>
+                <a:gd name="connsiteX10" fmla="*/ 27709 w 83127"/>
+                <a:gd name="connsiteY10" fmla="*/ 1313411 h 4765964"/>
+                <a:gd name="connsiteX11" fmla="*/ 33251 w 83127"/>
+                <a:gd name="connsiteY11" fmla="*/ 1446415 h 4765964"/>
+                <a:gd name="connsiteX12" fmla="*/ 38793 w 83127"/>
+                <a:gd name="connsiteY12" fmla="*/ 1679171 h 4765964"/>
+                <a:gd name="connsiteX13" fmla="*/ 49876 w 83127"/>
+                <a:gd name="connsiteY13" fmla="*/ 1762299 h 4765964"/>
+                <a:gd name="connsiteX14" fmla="*/ 55418 w 83127"/>
+                <a:gd name="connsiteY14" fmla="*/ 1856510 h 4765964"/>
+                <a:gd name="connsiteX15" fmla="*/ 77585 w 83127"/>
+                <a:gd name="connsiteY15" fmla="*/ 2000597 h 4765964"/>
+                <a:gd name="connsiteX16" fmla="*/ 83127 w 83127"/>
+                <a:gd name="connsiteY16" fmla="*/ 2067099 h 4765964"/>
+                <a:gd name="connsiteX17" fmla="*/ 77585 w 83127"/>
+                <a:gd name="connsiteY17" fmla="*/ 2759826 h 4765964"/>
+                <a:gd name="connsiteX18" fmla="*/ 66502 w 83127"/>
+                <a:gd name="connsiteY18" fmla="*/ 2848495 h 4765964"/>
+                <a:gd name="connsiteX19" fmla="*/ 60960 w 83127"/>
+                <a:gd name="connsiteY19" fmla="*/ 2953790 h 4765964"/>
+                <a:gd name="connsiteX20" fmla="*/ 55418 w 83127"/>
+                <a:gd name="connsiteY20" fmla="*/ 3003666 h 4765964"/>
+                <a:gd name="connsiteX21" fmla="*/ 44335 w 83127"/>
+                <a:gd name="connsiteY21" fmla="*/ 3136670 h 4765964"/>
+                <a:gd name="connsiteX22" fmla="*/ 33251 w 83127"/>
+                <a:gd name="connsiteY22" fmla="*/ 3186546 h 4765964"/>
+                <a:gd name="connsiteX23" fmla="*/ 27709 w 83127"/>
+                <a:gd name="connsiteY23" fmla="*/ 3269673 h 4765964"/>
+                <a:gd name="connsiteX24" fmla="*/ 16625 w 83127"/>
+                <a:gd name="connsiteY24" fmla="*/ 3358342 h 4765964"/>
+                <a:gd name="connsiteX25" fmla="*/ 11084 w 83127"/>
+                <a:gd name="connsiteY25" fmla="*/ 3491346 h 4765964"/>
+                <a:gd name="connsiteX26" fmla="*/ 0 w 83127"/>
+                <a:gd name="connsiteY26" fmla="*/ 3629891 h 4765964"/>
+                <a:gd name="connsiteX27" fmla="*/ 5542 w 83127"/>
+                <a:gd name="connsiteY27" fmla="*/ 3967942 h 4765964"/>
+                <a:gd name="connsiteX28" fmla="*/ 16625 w 83127"/>
+                <a:gd name="connsiteY28" fmla="*/ 4422371 h 4765964"/>
+                <a:gd name="connsiteX29" fmla="*/ 11084 w 83127"/>
+                <a:gd name="connsiteY29" fmla="*/ 4765964 h 4765964"/>
+              </a:gdLst>
+              <a:ahLst/>
+              <a:cxnLst>
+                <a:cxn ang="0">
+                  <a:pos x="connsiteX0" y="connsiteY0"/>
+                </a:cxn>
+                <a:cxn ang="0">
+                  <a:pos x="connsiteX1" y="connsiteY1"/>
+                </a:cxn>
+                <a:cxn ang="0">
+                  <a:pos x="connsiteX2" y="connsiteY2"/>
+                </a:cxn>
+                <a:cxn ang="0">
+                  <a:pos x="connsiteX3" y="connsiteY3"/>
+                </a:cxn>
+                <a:cxn ang="0">
+                  <a:pos x="connsiteX4" y="connsiteY4"/>
+                </a:cxn>
+                <a:cxn ang="0">
+                  <a:pos x="connsiteX5" y="connsiteY5"/>
+                </a:cxn>
+                <a:cxn ang="0">
+                  <a:pos x="connsiteX6" y="connsiteY6"/>
+                </a:cxn>
+                <a:cxn ang="0">
+                  <a:pos x="connsiteX7" y="connsiteY7"/>
+                </a:cxn>
+                <a:cxn ang="0">
+                  <a:pos x="connsiteX8" y="connsiteY8"/>
+                </a:cxn>
+                <a:cxn ang="0">
+                  <a:pos x="connsiteX9" y="connsiteY9"/>
+                </a:cxn>
+                <a:cxn ang="0">
+                  <a:pos x="connsiteX10" y="connsiteY10"/>
+                </a:cxn>
+                <a:cxn ang="0">
+                  <a:pos x="connsiteX11" y="connsiteY11"/>
+                </a:cxn>
+                <a:cxn ang="0">
+                  <a:pos x="connsiteX12" y="connsiteY12"/>
+                </a:cxn>
+                <a:cxn ang="0">
+                  <a:pos x="connsiteX13" y="connsiteY13"/>
+                </a:cxn>
+                <a:cxn ang="0">
+                  <a:pos x="connsiteX14" y="connsiteY14"/>
+                </a:cxn>
+                <a:cxn ang="0">
+                  <a:pos x="connsiteX15" y="connsiteY15"/>
+                </a:cxn>
+                <a:cxn ang="0">
+                  <a:pos x="connsiteX16" y="connsiteY16"/>
+                </a:cxn>
+                <a:cxn ang="0">
+                  <a:pos x="connsiteX17" y="connsiteY17"/>
+                </a:cxn>
+                <a:cxn ang="0">
+                  <a:pos x="connsiteX18" y="connsiteY18"/>
+                </a:cxn>
+                <a:cxn ang="0">
+                  <a:pos x="connsiteX19" y="connsiteY19"/>
+                </a:cxn>
+                <a:cxn ang="0">
+                  <a:pos x="connsiteX20" y="connsiteY20"/>
+                </a:cxn>
+                <a:cxn ang="0">
+                  <a:pos x="connsiteX21" y="connsiteY21"/>
+                </a:cxn>
+                <a:cxn ang="0">
+                  <a:pos x="connsiteX22" y="connsiteY22"/>
+                </a:cxn>
+                <a:cxn ang="0">
+                  <a:pos x="connsiteX23" y="connsiteY23"/>
+                </a:cxn>
+                <a:cxn ang="0">
+                  <a:pos x="connsiteX24" y="connsiteY24"/>
+                </a:cxn>
+                <a:cxn ang="0">
+                  <a:pos x="connsiteX25" y="connsiteY25"/>
+                </a:cxn>
+                <a:cxn ang="0">
+                  <a:pos x="connsiteX26" y="connsiteY26"/>
+                </a:cxn>
+                <a:cxn ang="0">
+                  <a:pos x="connsiteX27" y="connsiteY27"/>
+                </a:cxn>
+                <a:cxn ang="0">
+                  <a:pos x="connsiteX28" y="connsiteY28"/>
+                </a:cxn>
+                <a:cxn ang="0">
+                  <a:pos x="connsiteX29" y="connsiteY29"/>
+                </a:cxn>
+              </a:cxnLst>
+              <a:rect l="l" t="t" r="r" b="b"/>
+              <a:pathLst>
+                <a:path w="83127" h="4765964">
+                  <a:moveTo>
+                    <a:pt x="60960" y="0"/>
+                  </a:moveTo>
+                  <a:cubicBezTo>
+                    <a:pt x="58055" y="24692"/>
+                    <a:pt x="50338" y="96985"/>
+                    <a:pt x="44335" y="133004"/>
+                  </a:cubicBezTo>
+                  <a:cubicBezTo>
+                    <a:pt x="40940" y="153376"/>
+                    <a:pt x="36946" y="173644"/>
+                    <a:pt x="33251" y="193964"/>
+                  </a:cubicBezTo>
+                  <a:cubicBezTo>
+                    <a:pt x="31404" y="234604"/>
+                    <a:pt x="30328" y="275286"/>
+                    <a:pt x="27709" y="315884"/>
+                  </a:cubicBezTo>
+                  <a:cubicBezTo>
+                    <a:pt x="26632" y="332577"/>
+                    <a:pt x="23210" y="349065"/>
+                    <a:pt x="22167" y="365760"/>
+                  </a:cubicBezTo>
+                  <a:cubicBezTo>
+                    <a:pt x="19514" y="408205"/>
+                    <a:pt x="19363" y="450783"/>
+                    <a:pt x="16625" y="493222"/>
+                  </a:cubicBezTo>
+                  <a:cubicBezTo>
+                    <a:pt x="15666" y="508084"/>
+                    <a:pt x="12824" y="522766"/>
+                    <a:pt x="11084" y="537557"/>
+                  </a:cubicBezTo>
+                  <a:cubicBezTo>
+                    <a:pt x="9130" y="554170"/>
+                    <a:pt x="7389" y="570808"/>
+                    <a:pt x="5542" y="587433"/>
+                  </a:cubicBezTo>
+                  <a:cubicBezTo>
+                    <a:pt x="7389" y="661324"/>
+                    <a:pt x="9478" y="735209"/>
+                    <a:pt x="11084" y="809106"/>
+                  </a:cubicBezTo>
+                  <a:cubicBezTo>
+                    <a:pt x="14487" y="965644"/>
+                    <a:pt x="14464" y="1091172"/>
+                    <a:pt x="22167" y="1241368"/>
+                  </a:cubicBezTo>
+                  <a:cubicBezTo>
+                    <a:pt x="23401" y="1265422"/>
+                    <a:pt x="26409" y="1289361"/>
+                    <a:pt x="27709" y="1313411"/>
+                  </a:cubicBezTo>
+                  <a:cubicBezTo>
+                    <a:pt x="30104" y="1357719"/>
+                    <a:pt x="31907" y="1402062"/>
+                    <a:pt x="33251" y="1446415"/>
+                  </a:cubicBezTo>
+                  <a:cubicBezTo>
+                    <a:pt x="35602" y="1523987"/>
+                    <a:pt x="34714" y="1601671"/>
+                    <a:pt x="38793" y="1679171"/>
+                  </a:cubicBezTo>
+                  <a:cubicBezTo>
+                    <a:pt x="40262" y="1707087"/>
+                    <a:pt x="46182" y="1734590"/>
+                    <a:pt x="49876" y="1762299"/>
+                  </a:cubicBezTo>
+                  <a:cubicBezTo>
+                    <a:pt x="51723" y="1793703"/>
+                    <a:pt x="51785" y="1825263"/>
+                    <a:pt x="55418" y="1856510"/>
+                  </a:cubicBezTo>
+                  <a:cubicBezTo>
+                    <a:pt x="61031" y="1904779"/>
+                    <a:pt x="73549" y="1952171"/>
+                    <a:pt x="77585" y="2000597"/>
+                  </a:cubicBezTo>
+                  <a:lnTo>
+                    <a:pt x="83127" y="2067099"/>
+                  </a:lnTo>
+                  <a:cubicBezTo>
+                    <a:pt x="81280" y="2298008"/>
+                    <a:pt x="82497" y="2528962"/>
+                    <a:pt x="77585" y="2759826"/>
+                  </a:cubicBezTo>
+                  <a:cubicBezTo>
+                    <a:pt x="76951" y="2789606"/>
+                    <a:pt x="66502" y="2848495"/>
+                    <a:pt x="66502" y="2848495"/>
+                  </a:cubicBezTo>
+                  <a:cubicBezTo>
+                    <a:pt x="64655" y="2883593"/>
+                    <a:pt x="63464" y="2918732"/>
+                    <a:pt x="60960" y="2953790"/>
+                  </a:cubicBezTo>
+                  <a:cubicBezTo>
+                    <a:pt x="59768" y="2970475"/>
+                    <a:pt x="56752" y="2986992"/>
+                    <a:pt x="55418" y="3003666"/>
+                  </a:cubicBezTo>
+                  <a:cubicBezTo>
+                    <a:pt x="51892" y="3047745"/>
+                    <a:pt x="52068" y="3092850"/>
+                    <a:pt x="44335" y="3136670"/>
+                  </a:cubicBezTo>
+                  <a:cubicBezTo>
+                    <a:pt x="41375" y="3153442"/>
+                    <a:pt x="36946" y="3169921"/>
+                    <a:pt x="33251" y="3186546"/>
+                  </a:cubicBezTo>
+                  <a:cubicBezTo>
+                    <a:pt x="31404" y="3214255"/>
+                    <a:pt x="30384" y="3242032"/>
+                    <a:pt x="27709" y="3269673"/>
+                  </a:cubicBezTo>
+                  <a:cubicBezTo>
+                    <a:pt x="24840" y="3299321"/>
+                    <a:pt x="16625" y="3358342"/>
+                    <a:pt x="16625" y="3358342"/>
+                  </a:cubicBezTo>
+                  <a:cubicBezTo>
+                    <a:pt x="14778" y="3402677"/>
+                    <a:pt x="13796" y="3447056"/>
+                    <a:pt x="11084" y="3491346"/>
+                  </a:cubicBezTo>
+                  <a:cubicBezTo>
+                    <a:pt x="8253" y="3537589"/>
+                    <a:pt x="0" y="3629891"/>
+                    <a:pt x="0" y="3629891"/>
+                  </a:cubicBezTo>
+                  <a:cubicBezTo>
+                    <a:pt x="1847" y="3742575"/>
+                    <a:pt x="3396" y="3855264"/>
+                    <a:pt x="5542" y="3967942"/>
+                  </a:cubicBezTo>
+                  <a:cubicBezTo>
+                    <a:pt x="8493" y="4122891"/>
+                    <a:pt x="12561" y="4267920"/>
+                    <a:pt x="16625" y="4422371"/>
+                  </a:cubicBezTo>
+                  <a:lnTo>
+                    <a:pt x="11084" y="4765964"/>
+                  </a:lnTo>
+                </a:path>
+              </a:pathLst>
+            </a:custGeom>
+            <a:noFill/>
+            <a:ln>
+              <a:solidFill>
+                <a:srgbClr val="59328A"/>
+              </a:solidFill>
+            </a:ln>
+          </p:spPr>
+          <p:style>
+            <a:lnRef idx="3">
+              <a:schemeClr val="accent1"/>
+            </a:lnRef>
+            <a:fillRef idx="0">
+              <a:schemeClr val="accent1"/>
+            </a:fillRef>
+            <a:effectRef idx="2">
+              <a:schemeClr val="accent1"/>
+            </a:effectRef>
+            <a:fontRef idx="minor">
+              <a:schemeClr val="tx1"/>
+            </a:fontRef>
+          </p:style>
+          <p:txBody>
+            <a:bodyPr rtlCol="0" anchor="ctr"/>
+            <a:lstStyle/>
+            <a:p>
+              <a:pPr algn="ctr"/>
+              <a:endParaRPr lang="it-IT"/>
+            </a:p>
+          </p:txBody>
+        </p:sp>
+        <p:sp>
+          <p:nvSpPr>
+            <p:cNvPr id="15" name="Figura a mano libera: forma 14">
+              <a:extLst>
+                <a:ext uri="{FF2B5EF4-FFF2-40B4-BE49-F238E27FC236}">
+                  <a16:creationId xmlns:a16="http://schemas.microsoft.com/office/drawing/2014/main" id="{B626F25C-5B94-A6B6-6FC0-A383F6BA8E02}"/>
+                </a:ext>
+              </a:extLst>
+            </p:cNvPr>
+            <p:cNvSpPr/>
+            <p:nvPr/>
+          </p:nvSpPr>
+          <p:spPr>
+            <a:xfrm>
+              <a:off x="10338261" y="1746167"/>
+              <a:ext cx="83127" cy="4765964"/>
+            </a:xfrm>
+            <a:custGeom>
+              <a:avLst/>
+              <a:gdLst>
+                <a:gd name="connsiteX0" fmla="*/ 60960 w 83127"/>
+                <a:gd name="connsiteY0" fmla="*/ 0 h 4765964"/>
+                <a:gd name="connsiteX1" fmla="*/ 44335 w 83127"/>
+                <a:gd name="connsiteY1" fmla="*/ 133004 h 4765964"/>
+                <a:gd name="connsiteX2" fmla="*/ 33251 w 83127"/>
+                <a:gd name="connsiteY2" fmla="*/ 193964 h 4765964"/>
+                <a:gd name="connsiteX3" fmla="*/ 27709 w 83127"/>
+                <a:gd name="connsiteY3" fmla="*/ 315884 h 4765964"/>
+                <a:gd name="connsiteX4" fmla="*/ 22167 w 83127"/>
+                <a:gd name="connsiteY4" fmla="*/ 365760 h 4765964"/>
+                <a:gd name="connsiteX5" fmla="*/ 16625 w 83127"/>
+                <a:gd name="connsiteY5" fmla="*/ 493222 h 4765964"/>
+                <a:gd name="connsiteX6" fmla="*/ 11084 w 83127"/>
+                <a:gd name="connsiteY6" fmla="*/ 537557 h 4765964"/>
+                <a:gd name="connsiteX7" fmla="*/ 5542 w 83127"/>
+                <a:gd name="connsiteY7" fmla="*/ 587433 h 4765964"/>
+                <a:gd name="connsiteX8" fmla="*/ 11084 w 83127"/>
+                <a:gd name="connsiteY8" fmla="*/ 809106 h 4765964"/>
+                <a:gd name="connsiteX9" fmla="*/ 22167 w 83127"/>
+                <a:gd name="connsiteY9" fmla="*/ 1241368 h 4765964"/>
+                <a:gd name="connsiteX10" fmla="*/ 27709 w 83127"/>
+                <a:gd name="connsiteY10" fmla="*/ 1313411 h 4765964"/>
+                <a:gd name="connsiteX11" fmla="*/ 33251 w 83127"/>
+                <a:gd name="connsiteY11" fmla="*/ 1446415 h 4765964"/>
+                <a:gd name="connsiteX12" fmla="*/ 38793 w 83127"/>
+                <a:gd name="connsiteY12" fmla="*/ 1679171 h 4765964"/>
+                <a:gd name="connsiteX13" fmla="*/ 49876 w 83127"/>
+                <a:gd name="connsiteY13" fmla="*/ 1762299 h 4765964"/>
+                <a:gd name="connsiteX14" fmla="*/ 55418 w 83127"/>
+                <a:gd name="connsiteY14" fmla="*/ 1856510 h 4765964"/>
+                <a:gd name="connsiteX15" fmla="*/ 77585 w 83127"/>
+                <a:gd name="connsiteY15" fmla="*/ 2000597 h 4765964"/>
+                <a:gd name="connsiteX16" fmla="*/ 83127 w 83127"/>
+                <a:gd name="connsiteY16" fmla="*/ 2067099 h 4765964"/>
+                <a:gd name="connsiteX17" fmla="*/ 77585 w 83127"/>
+                <a:gd name="connsiteY17" fmla="*/ 2759826 h 4765964"/>
+                <a:gd name="connsiteX18" fmla="*/ 66502 w 83127"/>
+                <a:gd name="connsiteY18" fmla="*/ 2848495 h 4765964"/>
+                <a:gd name="connsiteX19" fmla="*/ 60960 w 83127"/>
+                <a:gd name="connsiteY19" fmla="*/ 2953790 h 4765964"/>
+                <a:gd name="connsiteX20" fmla="*/ 55418 w 83127"/>
+                <a:gd name="connsiteY20" fmla="*/ 3003666 h 4765964"/>
+                <a:gd name="connsiteX21" fmla="*/ 44335 w 83127"/>
+                <a:gd name="connsiteY21" fmla="*/ 3136670 h 4765964"/>
+                <a:gd name="connsiteX22" fmla="*/ 33251 w 83127"/>
+                <a:gd name="connsiteY22" fmla="*/ 3186546 h 4765964"/>
+                <a:gd name="connsiteX23" fmla="*/ 27709 w 83127"/>
+                <a:gd name="connsiteY23" fmla="*/ 3269673 h 4765964"/>
+                <a:gd name="connsiteX24" fmla="*/ 16625 w 83127"/>
+                <a:gd name="connsiteY24" fmla="*/ 3358342 h 4765964"/>
+                <a:gd name="connsiteX25" fmla="*/ 11084 w 83127"/>
+                <a:gd name="connsiteY25" fmla="*/ 3491346 h 4765964"/>
+                <a:gd name="connsiteX26" fmla="*/ 0 w 83127"/>
+                <a:gd name="connsiteY26" fmla="*/ 3629891 h 4765964"/>
+                <a:gd name="connsiteX27" fmla="*/ 5542 w 83127"/>
+                <a:gd name="connsiteY27" fmla="*/ 3967942 h 4765964"/>
+                <a:gd name="connsiteX28" fmla="*/ 16625 w 83127"/>
+                <a:gd name="connsiteY28" fmla="*/ 4422371 h 4765964"/>
+                <a:gd name="connsiteX29" fmla="*/ 11084 w 83127"/>
+                <a:gd name="connsiteY29" fmla="*/ 4765964 h 4765964"/>
+              </a:gdLst>
+              <a:ahLst/>
+              <a:cxnLst>
+                <a:cxn ang="0">
+                  <a:pos x="connsiteX0" y="connsiteY0"/>
+                </a:cxn>
+                <a:cxn ang="0">
+                  <a:pos x="connsiteX1" y="connsiteY1"/>
+                </a:cxn>
+                <a:cxn ang="0">
+                  <a:pos x="connsiteX2" y="connsiteY2"/>
+                </a:cxn>
+                <a:cxn ang="0">
+                  <a:pos x="connsiteX3" y="connsiteY3"/>
+                </a:cxn>
+                <a:cxn ang="0">
+                  <a:pos x="connsiteX4" y="connsiteY4"/>
+                </a:cxn>
+                <a:cxn ang="0">
+                  <a:pos x="connsiteX5" y="connsiteY5"/>
+                </a:cxn>
+                <a:cxn ang="0">
+                  <a:pos x="connsiteX6" y="connsiteY6"/>
+                </a:cxn>
+                <a:cxn ang="0">
+                  <a:pos x="connsiteX7" y="connsiteY7"/>
+                </a:cxn>
+                <a:cxn ang="0">
+                  <a:pos x="connsiteX8" y="connsiteY8"/>
+                </a:cxn>
+                <a:cxn ang="0">
+                  <a:pos x="connsiteX9" y="connsiteY9"/>
+                </a:cxn>
+                <a:cxn ang="0">
+                  <a:pos x="connsiteX10" y="connsiteY10"/>
+                </a:cxn>
+                <a:cxn ang="0">
+                  <a:pos x="connsiteX11" y="connsiteY11"/>
+                </a:cxn>
+                <a:cxn ang="0">
+                  <a:pos x="connsiteX12" y="connsiteY12"/>
+                </a:cxn>
+                <a:cxn ang="0">
+                  <a:pos x="connsiteX13" y="connsiteY13"/>
+                </a:cxn>
+                <a:cxn ang="0">
+                  <a:pos x="connsiteX14" y="connsiteY14"/>
+                </a:cxn>
+                <a:cxn ang="0">
+                  <a:pos x="connsiteX15" y="connsiteY15"/>
+                </a:cxn>
+                <a:cxn ang="0">
+                  <a:pos x="connsiteX16" y="connsiteY16"/>
+                </a:cxn>
+                <a:cxn ang="0">
+                  <a:pos x="connsiteX17" y="connsiteY17"/>
+                </a:cxn>
+                <a:cxn ang="0">
+                  <a:pos x="connsiteX18" y="connsiteY18"/>
+                </a:cxn>
+                <a:cxn ang="0">
+                  <a:pos x="connsiteX19" y="connsiteY19"/>
+                </a:cxn>
+                <a:cxn ang="0">
+                  <a:pos x="connsiteX20" y="connsiteY20"/>
+                </a:cxn>
+                <a:cxn ang="0">
+                  <a:pos x="connsiteX21" y="connsiteY21"/>
+                </a:cxn>
+                <a:cxn ang="0">
+                  <a:pos x="connsiteX22" y="connsiteY22"/>
+                </a:cxn>
+                <a:cxn ang="0">
+                  <a:pos x="connsiteX23" y="connsiteY23"/>
+                </a:cxn>
+                <a:cxn ang="0">
+                  <a:pos x="connsiteX24" y="connsiteY24"/>
+                </a:cxn>
+                <a:cxn ang="0">
+                  <a:pos x="connsiteX25" y="connsiteY25"/>
+                </a:cxn>
+                <a:cxn ang="0">
+                  <a:pos x="connsiteX26" y="connsiteY26"/>
+                </a:cxn>
+                <a:cxn ang="0">
+                  <a:pos x="connsiteX27" y="connsiteY27"/>
+                </a:cxn>
+                <a:cxn ang="0">
+                  <a:pos x="connsiteX28" y="connsiteY28"/>
+                </a:cxn>
+                <a:cxn ang="0">
+                  <a:pos x="connsiteX29" y="connsiteY29"/>
+                </a:cxn>
+              </a:cxnLst>
+              <a:rect l="l" t="t" r="r" b="b"/>
+              <a:pathLst>
+                <a:path w="83127" h="4765964">
+                  <a:moveTo>
+                    <a:pt x="60960" y="0"/>
+                  </a:moveTo>
+                  <a:cubicBezTo>
+                    <a:pt x="58055" y="24692"/>
+                    <a:pt x="50338" y="96985"/>
+                    <a:pt x="44335" y="133004"/>
+                  </a:cubicBezTo>
+                  <a:cubicBezTo>
+                    <a:pt x="40940" y="153376"/>
+                    <a:pt x="36946" y="173644"/>
+                    <a:pt x="33251" y="193964"/>
+                  </a:cubicBezTo>
+                  <a:cubicBezTo>
+                    <a:pt x="31404" y="234604"/>
+                    <a:pt x="30328" y="275286"/>
+                    <a:pt x="27709" y="315884"/>
+                  </a:cubicBezTo>
+                  <a:cubicBezTo>
+                    <a:pt x="26632" y="332577"/>
+                    <a:pt x="23210" y="349065"/>
+                    <a:pt x="22167" y="365760"/>
+                  </a:cubicBezTo>
+                  <a:cubicBezTo>
+                    <a:pt x="19514" y="408205"/>
+                    <a:pt x="19363" y="450783"/>
+                    <a:pt x="16625" y="493222"/>
+                  </a:cubicBezTo>
+                  <a:cubicBezTo>
+                    <a:pt x="15666" y="508084"/>
+                    <a:pt x="12824" y="522766"/>
+                    <a:pt x="11084" y="537557"/>
+                  </a:cubicBezTo>
+                  <a:cubicBezTo>
+                    <a:pt x="9130" y="554170"/>
+                    <a:pt x="7389" y="570808"/>
+                    <a:pt x="5542" y="587433"/>
+                  </a:cubicBezTo>
+                  <a:cubicBezTo>
+                    <a:pt x="7389" y="661324"/>
+                    <a:pt x="9478" y="735209"/>
+                    <a:pt x="11084" y="809106"/>
+                  </a:cubicBezTo>
+                  <a:cubicBezTo>
+                    <a:pt x="14487" y="965644"/>
+                    <a:pt x="14464" y="1091172"/>
+                    <a:pt x="22167" y="1241368"/>
+                  </a:cubicBezTo>
+                  <a:cubicBezTo>
+                    <a:pt x="23401" y="1265422"/>
+                    <a:pt x="26409" y="1289361"/>
+                    <a:pt x="27709" y="1313411"/>
+                  </a:cubicBezTo>
+                  <a:cubicBezTo>
+                    <a:pt x="30104" y="1357719"/>
+                    <a:pt x="31907" y="1402062"/>
+                    <a:pt x="33251" y="1446415"/>
+                  </a:cubicBezTo>
+                  <a:cubicBezTo>
+                    <a:pt x="35602" y="1523987"/>
+                    <a:pt x="34714" y="1601671"/>
+                    <a:pt x="38793" y="1679171"/>
+                  </a:cubicBezTo>
+                  <a:cubicBezTo>
+                    <a:pt x="40262" y="1707087"/>
+                    <a:pt x="46182" y="1734590"/>
+                    <a:pt x="49876" y="1762299"/>
+                  </a:cubicBezTo>
+                  <a:cubicBezTo>
+                    <a:pt x="51723" y="1793703"/>
+                    <a:pt x="51785" y="1825263"/>
+                    <a:pt x="55418" y="1856510"/>
+                  </a:cubicBezTo>
+                  <a:cubicBezTo>
+                    <a:pt x="61031" y="1904779"/>
+                    <a:pt x="73549" y="1952171"/>
+                    <a:pt x="77585" y="2000597"/>
+                  </a:cubicBezTo>
+                  <a:lnTo>
+                    <a:pt x="83127" y="2067099"/>
+                  </a:lnTo>
+                  <a:cubicBezTo>
+                    <a:pt x="81280" y="2298008"/>
+                    <a:pt x="82497" y="2528962"/>
+                    <a:pt x="77585" y="2759826"/>
+                  </a:cubicBezTo>
+                  <a:cubicBezTo>
+                    <a:pt x="76951" y="2789606"/>
+                    <a:pt x="66502" y="2848495"/>
+                    <a:pt x="66502" y="2848495"/>
+                  </a:cubicBezTo>
+                  <a:cubicBezTo>
+                    <a:pt x="64655" y="2883593"/>
+                    <a:pt x="63464" y="2918732"/>
+                    <a:pt x="60960" y="2953790"/>
+                  </a:cubicBezTo>
+                  <a:cubicBezTo>
+                    <a:pt x="59768" y="2970475"/>
+                    <a:pt x="56752" y="2986992"/>
+                    <a:pt x="55418" y="3003666"/>
+                  </a:cubicBezTo>
+                  <a:cubicBezTo>
+                    <a:pt x="51892" y="3047745"/>
+                    <a:pt x="52068" y="3092850"/>
+                    <a:pt x="44335" y="3136670"/>
+                  </a:cubicBezTo>
+                  <a:cubicBezTo>
+                    <a:pt x="41375" y="3153442"/>
+                    <a:pt x="36946" y="3169921"/>
+                    <a:pt x="33251" y="3186546"/>
+                  </a:cubicBezTo>
+                  <a:cubicBezTo>
+                    <a:pt x="31404" y="3214255"/>
+                    <a:pt x="30384" y="3242032"/>
+                    <a:pt x="27709" y="3269673"/>
+                  </a:cubicBezTo>
+                  <a:cubicBezTo>
+                    <a:pt x="24840" y="3299321"/>
+                    <a:pt x="16625" y="3358342"/>
+                    <a:pt x="16625" y="3358342"/>
+                  </a:cubicBezTo>
+                  <a:cubicBezTo>
+                    <a:pt x="14778" y="3402677"/>
+                    <a:pt x="13796" y="3447056"/>
+                    <a:pt x="11084" y="3491346"/>
+                  </a:cubicBezTo>
+                  <a:cubicBezTo>
+                    <a:pt x="8253" y="3537589"/>
+                    <a:pt x="0" y="3629891"/>
+                    <a:pt x="0" y="3629891"/>
+                  </a:cubicBezTo>
+                  <a:cubicBezTo>
+                    <a:pt x="1847" y="3742575"/>
+                    <a:pt x="3396" y="3855264"/>
+                    <a:pt x="5542" y="3967942"/>
+                  </a:cubicBezTo>
+                  <a:cubicBezTo>
+                    <a:pt x="8493" y="4122891"/>
+                    <a:pt x="12561" y="4267920"/>
+                    <a:pt x="16625" y="4422371"/>
+                  </a:cubicBezTo>
+                  <a:lnTo>
+                    <a:pt x="11084" y="4765964"/>
+                  </a:lnTo>
+                </a:path>
+              </a:pathLst>
+            </a:custGeom>
+            <a:noFill/>
+            <a:ln>
+              <a:solidFill>
+                <a:srgbClr val="59328A"/>
+              </a:solidFill>
+            </a:ln>
+          </p:spPr>
+          <p:style>
+            <a:lnRef idx="3">
+              <a:schemeClr val="accent1"/>
+            </a:lnRef>
+            <a:fillRef idx="0">
+              <a:schemeClr val="accent1"/>
+            </a:fillRef>
+            <a:effectRef idx="2">
+              <a:schemeClr val="accent1"/>
+            </a:effectRef>
+            <a:fontRef idx="minor">
+              <a:schemeClr val="tx1"/>
+            </a:fontRef>
+          </p:style>
+          <p:txBody>
+            <a:bodyPr rtlCol="0" anchor="ctr"/>
+            <a:lstStyle/>
+            <a:p>
+              <a:pPr algn="ctr"/>
+              <a:endParaRPr lang="it-IT"/>
+            </a:p>
+          </p:txBody>
+        </p:sp>
+        <p:grpSp>
+          <p:nvGrpSpPr>
+            <p:cNvPr id="16" name="Gruppo 15">
+              <a:extLst>
+                <a:ext uri="{FF2B5EF4-FFF2-40B4-BE49-F238E27FC236}">
+                  <a16:creationId xmlns:a16="http://schemas.microsoft.com/office/drawing/2014/main" id="{37FE4CDF-957E-AC1F-299B-A028ADBF1F35}"/>
+                </a:ext>
+              </a:extLst>
+            </p:cNvPr>
+            <p:cNvGrpSpPr/>
+            <p:nvPr/>
+          </p:nvGrpSpPr>
+          <p:grpSpPr>
+            <a:xfrm>
+              <a:off x="1463041" y="1528622"/>
+              <a:ext cx="2571404" cy="338554"/>
+              <a:chOff x="1463041" y="1701919"/>
+              <a:chExt cx="2571404" cy="338554"/>
+            </a:xfrm>
+          </p:grpSpPr>
+          <p:cxnSp>
+            <p:nvCxnSpPr>
+              <p:cNvPr id="51" name="Connettore 2 50">
+                <a:extLst>
+                  <a:ext uri="{FF2B5EF4-FFF2-40B4-BE49-F238E27FC236}">
+                    <a16:creationId xmlns:a16="http://schemas.microsoft.com/office/drawing/2014/main" id="{A56190C4-D020-CBAE-EE11-97BDE7D375BB}"/>
+                  </a:ext>
+                </a:extLst>
+              </p:cNvPr>
+              <p:cNvCxnSpPr>
+                <a:cxnSpLocks/>
+              </p:cNvCxnSpPr>
+              <p:nvPr/>
+            </p:nvCxnSpPr>
+            <p:spPr>
+              <a:xfrm flipV="1">
+                <a:off x="1463041" y="1989513"/>
+                <a:ext cx="2571404" cy="44334"/>
+              </a:xfrm>
+              <a:prstGeom prst="straightConnector1">
+                <a:avLst/>
+              </a:prstGeom>
+              <a:ln w="9525" cap="flat" cmpd="sng" algn="ctr">
+                <a:solidFill>
+                  <a:schemeClr val="accent1"/>
+                </a:solidFill>
+                <a:prstDash val="solid"/>
+                <a:round/>
+                <a:headEnd type="none" w="med" len="med"/>
+                <a:tailEnd type="arrow" w="med" len="med"/>
+              </a:ln>
+            </p:spPr>
+            <p:style>
+              <a:lnRef idx="0">
+                <a:scrgbClr r="0" g="0" b="0"/>
+              </a:lnRef>
+              <a:fillRef idx="0">
+                <a:scrgbClr r="0" g="0" b="0"/>
+              </a:fillRef>
+              <a:effectRef idx="0">
+                <a:scrgbClr r="0" g="0" b="0"/>
+              </a:effectRef>
+              <a:fontRef idx="minor">
+                <a:schemeClr val="tx1"/>
+              </a:fontRef>
+            </p:style>
+          </p:cxnSp>
+          <p:sp>
+            <p:nvSpPr>
+              <p:cNvPr id="52" name="CasellaDiTesto 51">
+                <a:extLst>
+                  <a:ext uri="{FF2B5EF4-FFF2-40B4-BE49-F238E27FC236}">
+                    <a16:creationId xmlns:a16="http://schemas.microsoft.com/office/drawing/2014/main" id="{5540A48F-F3CF-1B2C-FEDC-549BC5A4D056}"/>
+                  </a:ext>
+                </a:extLst>
+              </p:cNvPr>
+              <p:cNvSpPr txBox="1"/>
+              <p:nvPr/>
+            </p:nvSpPr>
+            <p:spPr>
+              <a:xfrm>
+                <a:off x="2313298" y="1701919"/>
+                <a:ext cx="930063" cy="338554"/>
+              </a:xfrm>
+              <a:prstGeom prst="rect">
+                <a:avLst/>
+              </a:prstGeom>
+              <a:noFill/>
+            </p:spPr>
+            <p:txBody>
+              <a:bodyPr wrap="none" rtlCol="0">
+                <a:spAutoFit/>
+              </a:bodyPr>
+              <a:lstStyle/>
+              <a:p>
+                <a:r>
+                  <a:rPr lang="it-IT" sz="1600" b="1" dirty="0"/>
+                  <a:t>1 – </a:t>
+                </a:r>
+                <a:r>
+                  <a:rPr lang="it-IT" sz="1600" dirty="0"/>
+                  <a:t>Login</a:t>
+                </a:r>
+              </a:p>
+            </p:txBody>
+          </p:sp>
+        </p:grpSp>
+        <p:grpSp>
+          <p:nvGrpSpPr>
+            <p:cNvPr id="17" name="Gruppo 16">
+              <a:extLst>
+                <a:ext uri="{FF2B5EF4-FFF2-40B4-BE49-F238E27FC236}">
+                  <a16:creationId xmlns:a16="http://schemas.microsoft.com/office/drawing/2014/main" id="{0FF2A7ED-3F0A-1347-5672-56B1F71C26A6}"/>
+                </a:ext>
+              </a:extLst>
+            </p:cNvPr>
+            <p:cNvGrpSpPr/>
+            <p:nvPr/>
+          </p:nvGrpSpPr>
+          <p:grpSpPr>
+            <a:xfrm>
+              <a:off x="1373845" y="1838961"/>
+              <a:ext cx="2738183" cy="600290"/>
+              <a:chOff x="1373845" y="2134181"/>
+              <a:chExt cx="2738183" cy="600290"/>
+            </a:xfrm>
+          </p:grpSpPr>
+          <p:cxnSp>
+            <p:nvCxnSpPr>
+              <p:cNvPr id="49" name="Connettore curvo 48">
+                <a:extLst>
+                  <a:ext uri="{FF2B5EF4-FFF2-40B4-BE49-F238E27FC236}">
+                    <a16:creationId xmlns:a16="http://schemas.microsoft.com/office/drawing/2014/main" id="{84DDE435-7D6A-E390-60FE-F00AF79B9EDA}"/>
+                  </a:ext>
+                </a:extLst>
+              </p:cNvPr>
+              <p:cNvCxnSpPr>
+                <a:cxnSpLocks/>
+              </p:cNvCxnSpPr>
+              <p:nvPr/>
+            </p:nvCxnSpPr>
+            <p:spPr>
+              <a:xfrm flipH="1">
+                <a:off x="4089861" y="2134181"/>
+                <a:ext cx="22167" cy="271549"/>
+              </a:xfrm>
+              <a:prstGeom prst="curvedConnector3">
+                <a:avLst>
+                  <a:gd name="adj1" fmla="val -4681310"/>
+                </a:avLst>
+              </a:prstGeom>
+              <a:ln w="9525" cap="flat" cmpd="sng" algn="ctr">
+                <a:solidFill>
+                  <a:schemeClr val="accent1"/>
+                </a:solidFill>
+                <a:prstDash val="solid"/>
+                <a:round/>
+                <a:headEnd type="none" w="med" len="med"/>
+                <a:tailEnd type="arrow" w="med" len="med"/>
+              </a:ln>
+            </p:spPr>
+            <p:style>
+              <a:lnRef idx="0">
+                <a:scrgbClr r="0" g="0" b="0"/>
+              </a:lnRef>
+              <a:fillRef idx="0">
+                <a:scrgbClr r="0" g="0" b="0"/>
+              </a:fillRef>
+              <a:effectRef idx="0">
+                <a:scrgbClr r="0" g="0" b="0"/>
+              </a:effectRef>
+              <a:fontRef idx="minor">
+                <a:schemeClr val="tx1"/>
+              </a:fontRef>
+            </p:style>
+          </p:cxnSp>
+          <p:sp>
+            <p:nvSpPr>
+              <p:cNvPr id="50" name="CasellaDiTesto 49">
+                <a:extLst>
+                  <a:ext uri="{FF2B5EF4-FFF2-40B4-BE49-F238E27FC236}">
+                    <a16:creationId xmlns:a16="http://schemas.microsoft.com/office/drawing/2014/main" id="{FD196826-0E7F-8B56-F508-2471C48908E0}"/>
+                  </a:ext>
+                </a:extLst>
+              </p:cNvPr>
+              <p:cNvSpPr txBox="1"/>
+              <p:nvPr/>
+            </p:nvSpPr>
+            <p:spPr>
+              <a:xfrm>
+                <a:off x="1373845" y="2149696"/>
+                <a:ext cx="2624702" cy="584775"/>
+              </a:xfrm>
+              <a:prstGeom prst="rect">
+                <a:avLst/>
+              </a:prstGeom>
+              <a:noFill/>
+            </p:spPr>
+            <p:txBody>
+              <a:bodyPr wrap="square" rtlCol="0">
+                <a:spAutoFit/>
+              </a:bodyPr>
+              <a:lstStyle/>
+              <a:p>
+                <a:pPr algn="ctr"/>
+                <a:r>
+                  <a:rPr lang="it-IT" sz="1600" b="1" dirty="0"/>
+                  <a:t>2 – </a:t>
+                </a:r>
+                <a:r>
+                  <a:rPr lang="it-IT" sz="1600" dirty="0"/>
+                  <a:t>Generazione del </a:t>
+                </a:r>
+                <a:br>
+                  <a:rPr lang="it-IT" sz="1600" dirty="0"/>
+                </a:br>
+                <a:r>
+                  <a:rPr lang="it-IT" sz="1600" dirty="0"/>
+                  <a:t>codice di verifica + challenge</a:t>
+                </a:r>
+              </a:p>
+            </p:txBody>
+          </p:sp>
+        </p:grpSp>
+        <p:grpSp>
+          <p:nvGrpSpPr>
+            <p:cNvPr id="18" name="Gruppo 17">
+              <a:extLst>
+                <a:ext uri="{FF2B5EF4-FFF2-40B4-BE49-F238E27FC236}">
+                  <a16:creationId xmlns:a16="http://schemas.microsoft.com/office/drawing/2014/main" id="{18FA5379-8C52-9DBA-3C01-76369251E6B9}"/>
+                </a:ext>
+              </a:extLst>
+            </p:cNvPr>
+            <p:cNvGrpSpPr/>
+            <p:nvPr/>
+          </p:nvGrpSpPr>
+          <p:grpSpPr>
+            <a:xfrm>
+              <a:off x="4048298" y="2261185"/>
+              <a:ext cx="3612784" cy="576012"/>
+              <a:chOff x="4039734" y="2737413"/>
+              <a:chExt cx="3612784" cy="576012"/>
+            </a:xfrm>
+          </p:grpSpPr>
+          <p:cxnSp>
+            <p:nvCxnSpPr>
+              <p:cNvPr id="46" name="Connettore 2 45">
+                <a:extLst>
+                  <a:ext uri="{FF2B5EF4-FFF2-40B4-BE49-F238E27FC236}">
+                    <a16:creationId xmlns:a16="http://schemas.microsoft.com/office/drawing/2014/main" id="{4DDF8ADB-6B61-467E-A31B-F1963FE5AAEF}"/>
+                  </a:ext>
+                </a:extLst>
+              </p:cNvPr>
+              <p:cNvCxnSpPr>
+                <a:cxnSpLocks/>
+              </p:cNvCxnSpPr>
+              <p:nvPr/>
+            </p:nvCxnSpPr>
+            <p:spPr>
+              <a:xfrm flipV="1">
+                <a:off x="4100944" y="3019208"/>
+                <a:ext cx="3264132" cy="22167"/>
+              </a:xfrm>
+              <a:prstGeom prst="straightConnector1">
+                <a:avLst/>
+              </a:prstGeom>
+              <a:ln w="9525" cap="flat" cmpd="sng" algn="ctr">
+                <a:solidFill>
+                  <a:schemeClr val="accent1"/>
+                </a:solidFill>
+                <a:prstDash val="solid"/>
+                <a:round/>
+                <a:headEnd type="none" w="med" len="med"/>
+                <a:tailEnd type="arrow" w="med" len="med"/>
+              </a:ln>
+            </p:spPr>
+            <p:style>
+              <a:lnRef idx="0">
+                <a:scrgbClr r="0" g="0" b="0"/>
+              </a:lnRef>
+              <a:fillRef idx="0">
+                <a:scrgbClr r="0" g="0" b="0"/>
+              </a:fillRef>
+              <a:effectRef idx="0">
+                <a:scrgbClr r="0" g="0" b="0"/>
+              </a:effectRef>
+              <a:fontRef idx="minor">
+                <a:schemeClr val="tx1"/>
+              </a:fontRef>
+            </p:style>
+          </p:cxnSp>
+          <p:sp>
+            <p:nvSpPr>
+              <p:cNvPr id="47" name="CasellaDiTesto 46">
+                <a:extLst>
+                  <a:ext uri="{FF2B5EF4-FFF2-40B4-BE49-F238E27FC236}">
+                    <a16:creationId xmlns:a16="http://schemas.microsoft.com/office/drawing/2014/main" id="{D9A17491-C0F8-0966-DCF4-731AB30C96CF}"/>
+                  </a:ext>
+                </a:extLst>
+              </p:cNvPr>
+              <p:cNvSpPr txBox="1"/>
+              <p:nvPr/>
+            </p:nvSpPr>
+            <p:spPr>
+              <a:xfrm>
+                <a:off x="4039734" y="2737413"/>
+                <a:ext cx="3612784" cy="338554"/>
+              </a:xfrm>
+              <a:prstGeom prst="rect">
+                <a:avLst/>
+              </a:prstGeom>
+              <a:noFill/>
+            </p:spPr>
+            <p:txBody>
+              <a:bodyPr wrap="none" rtlCol="0">
+                <a:spAutoFit/>
+              </a:bodyPr>
+              <a:lstStyle/>
+              <a:p>
+                <a:r>
+                  <a:rPr lang="it-IT" sz="1600" b="1" dirty="0"/>
+                  <a:t>3 – </a:t>
+                </a:r>
+                <a:r>
+                  <a:rPr lang="it-IT" sz="1600" dirty="0"/>
+                  <a:t>Richiesta del codice di autorizzazione </a:t>
+                </a:r>
+              </a:p>
+            </p:txBody>
+          </p:sp>
+          <p:sp>
+            <p:nvSpPr>
+              <p:cNvPr id="48" name="CasellaDiTesto 47">
+                <a:extLst>
+                  <a:ext uri="{FF2B5EF4-FFF2-40B4-BE49-F238E27FC236}">
+                    <a16:creationId xmlns:a16="http://schemas.microsoft.com/office/drawing/2014/main" id="{D30D12C9-6CA3-D23B-49E0-69AFDFC8D4E0}"/>
+                  </a:ext>
+                </a:extLst>
+              </p:cNvPr>
+              <p:cNvSpPr txBox="1"/>
+              <p:nvPr/>
+            </p:nvSpPr>
+            <p:spPr>
+              <a:xfrm>
+                <a:off x="4131425" y="2974871"/>
+                <a:ext cx="2868093" cy="338554"/>
+              </a:xfrm>
+              <a:prstGeom prst="rect">
+                <a:avLst/>
+              </a:prstGeom>
+              <a:noFill/>
+            </p:spPr>
+            <p:txBody>
+              <a:bodyPr wrap="none" rtlCol="0">
+                <a:spAutoFit/>
+              </a:bodyPr>
+              <a:lstStyle/>
+              <a:p>
+                <a:r>
+                  <a:rPr lang="it-IT" sz="1600" dirty="0"/>
+                  <a:t>+ challenge e metodo di </a:t>
+                </a:r>
+                <a:r>
+                  <a:rPr lang="it-IT" sz="1600" dirty="0" err="1"/>
+                  <a:t>hashing</a:t>
+                </a:r>
+                <a:endParaRPr lang="it-IT" sz="1600" dirty="0"/>
+              </a:p>
+            </p:txBody>
+          </p:sp>
+        </p:grpSp>
+        <p:grpSp>
+          <p:nvGrpSpPr>
+            <p:cNvPr id="19" name="Gruppo 18">
+              <a:extLst>
+                <a:ext uri="{FF2B5EF4-FFF2-40B4-BE49-F238E27FC236}">
+                  <a16:creationId xmlns:a16="http://schemas.microsoft.com/office/drawing/2014/main" id="{CC355BC2-AA22-0741-88E2-04D087F100EE}"/>
+                </a:ext>
+              </a:extLst>
+            </p:cNvPr>
+            <p:cNvGrpSpPr/>
+            <p:nvPr/>
+          </p:nvGrpSpPr>
+          <p:grpSpPr>
+            <a:xfrm>
+              <a:off x="1489513" y="2791992"/>
+              <a:ext cx="6035039" cy="338554"/>
+              <a:chOff x="1568335" y="3555400"/>
+              <a:chExt cx="6035039" cy="338554"/>
+            </a:xfrm>
+          </p:grpSpPr>
+          <p:cxnSp>
+            <p:nvCxnSpPr>
+              <p:cNvPr id="44" name="Connettore 2 43">
+                <a:extLst>
+                  <a:ext uri="{FF2B5EF4-FFF2-40B4-BE49-F238E27FC236}">
+                    <a16:creationId xmlns:a16="http://schemas.microsoft.com/office/drawing/2014/main" id="{6F28427E-615E-1D92-09D2-1D2E038768D5}"/>
+                  </a:ext>
+                </a:extLst>
+              </p:cNvPr>
+              <p:cNvCxnSpPr>
+                <a:cxnSpLocks/>
+              </p:cNvCxnSpPr>
+              <p:nvPr/>
+            </p:nvCxnSpPr>
+            <p:spPr>
+              <a:xfrm flipH="1" flipV="1">
+                <a:off x="1568335" y="3822959"/>
+                <a:ext cx="5987934" cy="67979"/>
+              </a:xfrm>
+              <a:prstGeom prst="straightConnector1">
+                <a:avLst/>
+              </a:prstGeom>
+              <a:ln w="9525" cap="flat" cmpd="sng" algn="ctr">
+                <a:solidFill>
+                  <a:schemeClr val="accent1"/>
+                </a:solidFill>
+                <a:prstDash val="solid"/>
+                <a:round/>
+                <a:headEnd type="none" w="med" len="med"/>
+                <a:tailEnd type="arrow" w="med" len="med"/>
+              </a:ln>
+            </p:spPr>
+            <p:style>
+              <a:lnRef idx="0">
+                <a:scrgbClr r="0" g="0" b="0"/>
+              </a:lnRef>
+              <a:fillRef idx="0">
+                <a:scrgbClr r="0" g="0" b="0"/>
+              </a:fillRef>
+              <a:effectRef idx="0">
+                <a:scrgbClr r="0" g="0" b="0"/>
+              </a:effectRef>
+              <a:fontRef idx="minor">
+                <a:schemeClr val="tx1"/>
+              </a:fontRef>
+            </p:style>
+          </p:cxnSp>
+          <p:sp>
+            <p:nvSpPr>
+              <p:cNvPr id="45" name="CasellaDiTesto 44">
+                <a:extLst>
+                  <a:ext uri="{FF2B5EF4-FFF2-40B4-BE49-F238E27FC236}">
+                    <a16:creationId xmlns:a16="http://schemas.microsoft.com/office/drawing/2014/main" id="{5DA9204C-D7DE-1AFD-168F-EDC02D416DE5}"/>
+                  </a:ext>
+                </a:extLst>
+              </p:cNvPr>
+              <p:cNvSpPr txBox="1"/>
+              <p:nvPr/>
+            </p:nvSpPr>
+            <p:spPr>
+              <a:xfrm>
+                <a:off x="1960629" y="3555400"/>
+                <a:ext cx="5642745" cy="338554"/>
+              </a:xfrm>
+              <a:prstGeom prst="rect">
+                <a:avLst/>
+              </a:prstGeom>
+              <a:noFill/>
+            </p:spPr>
+            <p:txBody>
+              <a:bodyPr wrap="square" rtlCol="0">
+                <a:spAutoFit/>
+              </a:bodyPr>
+              <a:lstStyle/>
+              <a:p>
+                <a:r>
+                  <a:rPr lang="it-IT" sz="1600" b="1" dirty="0"/>
+                  <a:t>4 – </a:t>
+                </a:r>
+                <a:r>
+                  <a:rPr lang="it-IT" sz="1600" dirty="0" err="1"/>
+                  <a:t>Redirect</a:t>
+                </a:r>
+                <a:r>
+                  <a:rPr lang="it-IT" sz="1600" dirty="0"/>
+                  <a:t> pagina di login </a:t>
+                </a:r>
+              </a:p>
+            </p:txBody>
+          </p:sp>
+        </p:grpSp>
+        <p:grpSp>
+          <p:nvGrpSpPr>
+            <p:cNvPr id="20" name="Gruppo 19">
+              <a:extLst>
+                <a:ext uri="{FF2B5EF4-FFF2-40B4-BE49-F238E27FC236}">
+                  <a16:creationId xmlns:a16="http://schemas.microsoft.com/office/drawing/2014/main" id="{5DABF682-28AC-F2A9-69FE-1C1805AE769A}"/>
+                </a:ext>
+              </a:extLst>
+            </p:cNvPr>
+            <p:cNvGrpSpPr/>
+            <p:nvPr/>
+          </p:nvGrpSpPr>
+          <p:grpSpPr>
+            <a:xfrm>
+              <a:off x="1586586" y="3303445"/>
+              <a:ext cx="5987934" cy="338554"/>
+              <a:chOff x="1525534" y="4121824"/>
+              <a:chExt cx="5987934" cy="338554"/>
+            </a:xfrm>
+          </p:grpSpPr>
+          <p:cxnSp>
+            <p:nvCxnSpPr>
+              <p:cNvPr id="42" name="Connettore 2 41">
+                <a:extLst>
+                  <a:ext uri="{FF2B5EF4-FFF2-40B4-BE49-F238E27FC236}">
+                    <a16:creationId xmlns:a16="http://schemas.microsoft.com/office/drawing/2014/main" id="{8C691419-ED13-106E-1844-EA03E36A246B}"/>
+                  </a:ext>
+                </a:extLst>
+              </p:cNvPr>
+              <p:cNvCxnSpPr>
+                <a:cxnSpLocks/>
+              </p:cNvCxnSpPr>
+              <p:nvPr/>
+            </p:nvCxnSpPr>
+            <p:spPr>
+              <a:xfrm flipV="1">
+                <a:off x="1525534" y="4378217"/>
+                <a:ext cx="5987934" cy="67979"/>
+              </a:xfrm>
+              <a:prstGeom prst="straightConnector1">
+                <a:avLst/>
+              </a:prstGeom>
+              <a:ln w="9525" cap="flat" cmpd="sng" algn="ctr">
+                <a:solidFill>
+                  <a:schemeClr val="accent1"/>
+                </a:solidFill>
+                <a:prstDash val="solid"/>
+                <a:round/>
+                <a:headEnd type="none" w="med" len="med"/>
+                <a:tailEnd type="arrow" w="med" len="med"/>
+              </a:ln>
+            </p:spPr>
+            <p:style>
+              <a:lnRef idx="0">
+                <a:scrgbClr r="0" g="0" b="0"/>
+              </a:lnRef>
+              <a:fillRef idx="0">
+                <a:scrgbClr r="0" g="0" b="0"/>
+              </a:fillRef>
+              <a:effectRef idx="0">
+                <a:scrgbClr r="0" g="0" b="0"/>
+              </a:effectRef>
+              <a:fontRef idx="minor">
+                <a:schemeClr val="tx1"/>
+              </a:fontRef>
+            </p:style>
+          </p:cxnSp>
+          <p:sp>
+            <p:nvSpPr>
+              <p:cNvPr id="43" name="CasellaDiTesto 42">
+                <a:extLst>
+                  <a:ext uri="{FF2B5EF4-FFF2-40B4-BE49-F238E27FC236}">
+                    <a16:creationId xmlns:a16="http://schemas.microsoft.com/office/drawing/2014/main" id="{9DD02034-F096-A791-1281-006140F13707}"/>
+                  </a:ext>
+                </a:extLst>
+              </p:cNvPr>
+              <p:cNvSpPr txBox="1"/>
+              <p:nvPr/>
+            </p:nvSpPr>
+            <p:spPr>
+              <a:xfrm>
+                <a:off x="4127551" y="4121824"/>
+                <a:ext cx="3011619" cy="338554"/>
+              </a:xfrm>
+              <a:prstGeom prst="rect">
+                <a:avLst/>
+              </a:prstGeom>
+              <a:noFill/>
+            </p:spPr>
+            <p:txBody>
+              <a:bodyPr wrap="square" rtlCol="0">
+                <a:spAutoFit/>
+              </a:bodyPr>
+              <a:lstStyle/>
+              <a:p>
+                <a:r>
+                  <a:rPr lang="it-IT" sz="1600" b="1" dirty="0"/>
+                  <a:t>5 – </a:t>
+                </a:r>
+                <a:r>
+                  <a:rPr lang="it-IT" sz="1600" dirty="0" err="1"/>
+                  <a:t>Authenticazione</a:t>
+                </a:r>
+                <a:r>
+                  <a:rPr lang="it-IT" sz="1600" dirty="0"/>
+                  <a:t> e consenso</a:t>
+                </a:r>
+              </a:p>
+            </p:txBody>
+          </p:sp>
+        </p:grpSp>
+        <p:grpSp>
+          <p:nvGrpSpPr>
+            <p:cNvPr id="21" name="Gruppo 20">
+              <a:extLst>
+                <a:ext uri="{FF2B5EF4-FFF2-40B4-BE49-F238E27FC236}">
+                  <a16:creationId xmlns:a16="http://schemas.microsoft.com/office/drawing/2014/main" id="{58019FF8-DEC8-6B1C-D7DA-709B4D12CD27}"/>
+                </a:ext>
+              </a:extLst>
+            </p:cNvPr>
+            <p:cNvGrpSpPr/>
+            <p:nvPr/>
+          </p:nvGrpSpPr>
+          <p:grpSpPr>
+            <a:xfrm>
+              <a:off x="4188603" y="3716372"/>
+              <a:ext cx="3264132" cy="584775"/>
+              <a:chOff x="4253344" y="4686551"/>
+              <a:chExt cx="3264132" cy="584775"/>
+            </a:xfrm>
+          </p:grpSpPr>
+          <p:cxnSp>
+            <p:nvCxnSpPr>
+              <p:cNvPr id="40" name="Connettore 2 39">
+                <a:extLst>
+                  <a:ext uri="{FF2B5EF4-FFF2-40B4-BE49-F238E27FC236}">
+                    <a16:creationId xmlns:a16="http://schemas.microsoft.com/office/drawing/2014/main" id="{41C0AA6C-7854-AD98-1991-C642379E844D}"/>
+                  </a:ext>
+                </a:extLst>
+              </p:cNvPr>
+              <p:cNvCxnSpPr>
+                <a:cxnSpLocks/>
+              </p:cNvCxnSpPr>
+              <p:nvPr/>
+            </p:nvCxnSpPr>
+            <p:spPr>
+              <a:xfrm flipH="1" flipV="1">
+                <a:off x="4253344" y="4988299"/>
+                <a:ext cx="3264132" cy="2045"/>
+              </a:xfrm>
+              <a:prstGeom prst="straightConnector1">
+                <a:avLst/>
+              </a:prstGeom>
+              <a:ln w="9525" cap="flat" cmpd="sng" algn="ctr">
+                <a:solidFill>
+                  <a:schemeClr val="accent1"/>
+                </a:solidFill>
+                <a:prstDash val="solid"/>
+                <a:round/>
+                <a:headEnd type="none" w="med" len="med"/>
+                <a:tailEnd type="arrow" w="med" len="med"/>
+              </a:ln>
+            </p:spPr>
+            <p:style>
+              <a:lnRef idx="0">
+                <a:scrgbClr r="0" g="0" b="0"/>
+              </a:lnRef>
+              <a:fillRef idx="0">
+                <a:scrgbClr r="0" g="0" b="0"/>
+              </a:fillRef>
+              <a:effectRef idx="0">
+                <a:scrgbClr r="0" g="0" b="0"/>
+              </a:effectRef>
+              <a:fontRef idx="minor">
+                <a:schemeClr val="tx1"/>
+              </a:fontRef>
+            </p:style>
+          </p:cxnSp>
+          <p:sp>
+            <p:nvSpPr>
+              <p:cNvPr id="41" name="CasellaDiTesto 40">
+                <a:extLst>
+                  <a:ext uri="{FF2B5EF4-FFF2-40B4-BE49-F238E27FC236}">
+                    <a16:creationId xmlns:a16="http://schemas.microsoft.com/office/drawing/2014/main" id="{B154050C-33CC-0D10-AE9B-C16B13238271}"/>
+                  </a:ext>
+                </a:extLst>
+              </p:cNvPr>
+              <p:cNvSpPr txBox="1"/>
+              <p:nvPr/>
+            </p:nvSpPr>
+            <p:spPr>
+              <a:xfrm>
+                <a:off x="4340883" y="4686551"/>
+                <a:ext cx="2635502" cy="584775"/>
+              </a:xfrm>
+              <a:prstGeom prst="rect">
+                <a:avLst/>
+              </a:prstGeom>
+              <a:noFill/>
+            </p:spPr>
+            <p:txBody>
+              <a:bodyPr wrap="square" rtlCol="0">
+                <a:spAutoFit/>
+              </a:bodyPr>
+              <a:lstStyle/>
+              <a:p>
+                <a:r>
+                  <a:rPr lang="it-IT" sz="1600" b="1" dirty="0"/>
+                  <a:t>6 - </a:t>
+                </a:r>
+                <a:r>
+                  <a:rPr lang="it-IT" sz="1600" dirty="0"/>
+                  <a:t>Invio codice di autorizzazione</a:t>
+                </a:r>
+              </a:p>
+            </p:txBody>
+          </p:sp>
+        </p:grpSp>
+        <p:grpSp>
+          <p:nvGrpSpPr>
+            <p:cNvPr id="22" name="Gruppo 21">
+              <a:extLst>
+                <a:ext uri="{FF2B5EF4-FFF2-40B4-BE49-F238E27FC236}">
+                  <a16:creationId xmlns:a16="http://schemas.microsoft.com/office/drawing/2014/main" id="{5AE7AD21-B240-1EF3-4F8E-659C72960329}"/>
+                </a:ext>
+              </a:extLst>
+            </p:cNvPr>
+            <p:cNvGrpSpPr/>
+            <p:nvPr/>
+          </p:nvGrpSpPr>
+          <p:grpSpPr>
+            <a:xfrm>
+              <a:off x="4069774" y="4247414"/>
+              <a:ext cx="3325342" cy="576012"/>
+              <a:chOff x="4039734" y="2737413"/>
+              <a:chExt cx="3325342" cy="576012"/>
+            </a:xfrm>
+          </p:grpSpPr>
+          <p:cxnSp>
+            <p:nvCxnSpPr>
+              <p:cNvPr id="37" name="Connettore 2 36">
+                <a:extLst>
+                  <a:ext uri="{FF2B5EF4-FFF2-40B4-BE49-F238E27FC236}">
+                    <a16:creationId xmlns:a16="http://schemas.microsoft.com/office/drawing/2014/main" id="{A6A60AA5-18AD-5978-387A-53A73A77CAA6}"/>
+                  </a:ext>
+                </a:extLst>
+              </p:cNvPr>
+              <p:cNvCxnSpPr>
+                <a:cxnSpLocks/>
+              </p:cNvCxnSpPr>
+              <p:nvPr/>
+            </p:nvCxnSpPr>
+            <p:spPr>
+              <a:xfrm flipV="1">
+                <a:off x="4100944" y="3019208"/>
+                <a:ext cx="3264132" cy="22167"/>
+              </a:xfrm>
+              <a:prstGeom prst="straightConnector1">
+                <a:avLst/>
+              </a:prstGeom>
+              <a:ln w="9525" cap="flat" cmpd="sng" algn="ctr">
+                <a:solidFill>
+                  <a:schemeClr val="accent1"/>
+                </a:solidFill>
+                <a:prstDash val="solid"/>
+                <a:round/>
+                <a:headEnd type="none" w="med" len="med"/>
+                <a:tailEnd type="arrow" w="med" len="med"/>
+              </a:ln>
+            </p:spPr>
+            <p:style>
+              <a:lnRef idx="0">
+                <a:scrgbClr r="0" g="0" b="0"/>
+              </a:lnRef>
+              <a:fillRef idx="0">
+                <a:scrgbClr r="0" g="0" b="0"/>
+              </a:fillRef>
+              <a:effectRef idx="0">
+                <a:scrgbClr r="0" g="0" b="0"/>
+              </a:effectRef>
+              <a:fontRef idx="minor">
+                <a:schemeClr val="tx1"/>
+              </a:fontRef>
+            </p:style>
+          </p:cxnSp>
+          <p:sp>
+            <p:nvSpPr>
+              <p:cNvPr id="38" name="CasellaDiTesto 37">
+                <a:extLst>
+                  <a:ext uri="{FF2B5EF4-FFF2-40B4-BE49-F238E27FC236}">
+                    <a16:creationId xmlns:a16="http://schemas.microsoft.com/office/drawing/2014/main" id="{8C45CBA9-C105-AE2D-599E-29FB04A041A8}"/>
+                  </a:ext>
+                </a:extLst>
+              </p:cNvPr>
+              <p:cNvSpPr txBox="1"/>
+              <p:nvPr/>
+            </p:nvSpPr>
+            <p:spPr>
+              <a:xfrm>
+                <a:off x="4039734" y="2737413"/>
+                <a:ext cx="2969787" cy="338554"/>
+              </a:xfrm>
+              <a:prstGeom prst="rect">
+                <a:avLst/>
+              </a:prstGeom>
+              <a:noFill/>
+            </p:spPr>
+            <p:txBody>
+              <a:bodyPr wrap="none" rtlCol="0">
+                <a:spAutoFit/>
+              </a:bodyPr>
+              <a:lstStyle/>
+              <a:p>
+                <a:r>
+                  <a:rPr lang="it-IT" sz="1600" b="1" dirty="0"/>
+                  <a:t>7 – </a:t>
+                </a:r>
+                <a:r>
+                  <a:rPr lang="it-IT" sz="1600" dirty="0"/>
+                  <a:t>Invio codice di autorizzazione </a:t>
+                </a:r>
+              </a:p>
+            </p:txBody>
+          </p:sp>
+          <p:sp>
+            <p:nvSpPr>
+              <p:cNvPr id="39" name="CasellaDiTesto 38">
+                <a:extLst>
+                  <a:ext uri="{FF2B5EF4-FFF2-40B4-BE49-F238E27FC236}">
+                    <a16:creationId xmlns:a16="http://schemas.microsoft.com/office/drawing/2014/main" id="{9EF3E2E8-8EBD-2319-88FC-70B69771B018}"/>
+                  </a:ext>
+                </a:extLst>
+              </p:cNvPr>
+              <p:cNvSpPr txBox="1"/>
+              <p:nvPr/>
+            </p:nvSpPr>
+            <p:spPr>
+              <a:xfrm>
+                <a:off x="4131425" y="2974871"/>
+                <a:ext cx="1721305" cy="338554"/>
+              </a:xfrm>
+              <a:prstGeom prst="rect">
+                <a:avLst/>
+              </a:prstGeom>
+              <a:noFill/>
+            </p:spPr>
+            <p:txBody>
+              <a:bodyPr wrap="none" rtlCol="0">
+                <a:spAutoFit/>
+              </a:bodyPr>
+              <a:lstStyle/>
+              <a:p>
+                <a:r>
+                  <a:rPr lang="it-IT" sz="1600" dirty="0"/>
+                  <a:t>+ codice di verifica</a:t>
+                </a:r>
+              </a:p>
+            </p:txBody>
+          </p:sp>
+        </p:grpSp>
+        <p:grpSp>
+          <p:nvGrpSpPr>
+            <p:cNvPr id="23" name="Gruppo 22">
+              <a:extLst>
+                <a:ext uri="{FF2B5EF4-FFF2-40B4-BE49-F238E27FC236}">
+                  <a16:creationId xmlns:a16="http://schemas.microsoft.com/office/drawing/2014/main" id="{1E08A54B-2C25-859F-37A4-F8B400B997DD}"/>
+                </a:ext>
+              </a:extLst>
+            </p:cNvPr>
+            <p:cNvGrpSpPr/>
+            <p:nvPr/>
+          </p:nvGrpSpPr>
+          <p:grpSpPr>
+            <a:xfrm>
+              <a:off x="7565132" y="4056589"/>
+              <a:ext cx="2754878" cy="749668"/>
+              <a:chOff x="7565132" y="4436965"/>
+              <a:chExt cx="2754878" cy="749668"/>
+            </a:xfrm>
+          </p:grpSpPr>
+          <p:cxnSp>
+            <p:nvCxnSpPr>
+              <p:cNvPr id="35" name="Connettore curvo 34">
+                <a:extLst>
+                  <a:ext uri="{FF2B5EF4-FFF2-40B4-BE49-F238E27FC236}">
+                    <a16:creationId xmlns:a16="http://schemas.microsoft.com/office/drawing/2014/main" id="{F73DEAC8-E249-18E4-FA70-A11A2CCC59D7}"/>
+                  </a:ext>
+                </a:extLst>
+              </p:cNvPr>
+              <p:cNvCxnSpPr>
+                <a:cxnSpLocks/>
+              </p:cNvCxnSpPr>
+              <p:nvPr/>
+            </p:nvCxnSpPr>
+            <p:spPr>
+              <a:xfrm flipH="1">
+                <a:off x="7565132" y="4897818"/>
+                <a:ext cx="22167" cy="288815"/>
+              </a:xfrm>
+              <a:prstGeom prst="curvedConnector3">
+                <a:avLst>
+                  <a:gd name="adj1" fmla="val -4681310"/>
+                </a:avLst>
+              </a:prstGeom>
+              <a:ln w="9525" cap="flat" cmpd="sng" algn="ctr">
+                <a:solidFill>
+                  <a:schemeClr val="accent1"/>
+                </a:solidFill>
+                <a:prstDash val="solid"/>
+                <a:round/>
+                <a:headEnd type="none" w="med" len="med"/>
+                <a:tailEnd type="arrow" w="med" len="med"/>
+              </a:ln>
+            </p:spPr>
+            <p:style>
+              <a:lnRef idx="0">
+                <a:scrgbClr r="0" g="0" b="0"/>
+              </a:lnRef>
+              <a:fillRef idx="0">
+                <a:scrgbClr r="0" g="0" b="0"/>
+              </a:fillRef>
+              <a:effectRef idx="0">
+                <a:scrgbClr r="0" g="0" b="0"/>
+              </a:effectRef>
+              <a:fontRef idx="minor">
+                <a:schemeClr val="tx1"/>
+              </a:fontRef>
+            </p:style>
+          </p:cxnSp>
+          <p:sp>
+            <p:nvSpPr>
+              <p:cNvPr id="36" name="CasellaDiTesto 35">
+                <a:extLst>
+                  <a:ext uri="{FF2B5EF4-FFF2-40B4-BE49-F238E27FC236}">
+                    <a16:creationId xmlns:a16="http://schemas.microsoft.com/office/drawing/2014/main" id="{BAC8B2DF-F8A3-6FFA-E7EF-4A8F7C8FCDAF}"/>
+                  </a:ext>
+                </a:extLst>
+              </p:cNvPr>
+              <p:cNvSpPr txBox="1"/>
+              <p:nvPr/>
+            </p:nvSpPr>
+            <p:spPr>
+              <a:xfrm>
+                <a:off x="7695308" y="4436965"/>
+                <a:ext cx="2624702" cy="584775"/>
+              </a:xfrm>
+              <a:prstGeom prst="rect">
+                <a:avLst/>
+              </a:prstGeom>
+              <a:noFill/>
+            </p:spPr>
+            <p:txBody>
+              <a:bodyPr wrap="square" rtlCol="0">
+                <a:spAutoFit/>
+              </a:bodyPr>
+              <a:lstStyle/>
+              <a:p>
+                <a:pPr algn="ctr"/>
+                <a:r>
+                  <a:rPr lang="it-IT" sz="1600" b="1" dirty="0"/>
+                  <a:t>8 – </a:t>
+                </a:r>
+                <a:r>
+                  <a:rPr lang="it-IT" sz="1600" dirty="0"/>
+                  <a:t>valida codice di verifica </a:t>
+                </a:r>
+                <a:br>
+                  <a:rPr lang="it-IT" sz="1600" dirty="0"/>
+                </a:br>
+                <a:r>
+                  <a:rPr lang="it-IT" sz="1600" dirty="0"/>
+                  <a:t>+ challenge</a:t>
+                </a:r>
+              </a:p>
+            </p:txBody>
+          </p:sp>
+        </p:grpSp>
+        <p:grpSp>
+          <p:nvGrpSpPr>
+            <p:cNvPr id="24" name="Gruppo 23">
+              <a:extLst>
+                <a:ext uri="{FF2B5EF4-FFF2-40B4-BE49-F238E27FC236}">
+                  <a16:creationId xmlns:a16="http://schemas.microsoft.com/office/drawing/2014/main" id="{74367393-98E5-03A2-0B8C-88756D2C79EB}"/>
+                </a:ext>
+              </a:extLst>
+            </p:cNvPr>
+            <p:cNvGrpSpPr/>
+            <p:nvPr/>
+          </p:nvGrpSpPr>
+          <p:grpSpPr>
+            <a:xfrm>
+              <a:off x="4091260" y="4965239"/>
+              <a:ext cx="3264132" cy="338554"/>
+              <a:chOff x="4253344" y="4686551"/>
+              <a:chExt cx="3264132" cy="338554"/>
+            </a:xfrm>
+          </p:grpSpPr>
+          <p:cxnSp>
+            <p:nvCxnSpPr>
+              <p:cNvPr id="33" name="Connettore 2 32">
+                <a:extLst>
+                  <a:ext uri="{FF2B5EF4-FFF2-40B4-BE49-F238E27FC236}">
+                    <a16:creationId xmlns:a16="http://schemas.microsoft.com/office/drawing/2014/main" id="{B5AF6116-8AFE-D913-872D-E6D4CA94490D}"/>
+                  </a:ext>
+                </a:extLst>
+              </p:cNvPr>
+              <p:cNvCxnSpPr>
+                <a:cxnSpLocks/>
+              </p:cNvCxnSpPr>
+              <p:nvPr/>
+            </p:nvCxnSpPr>
+            <p:spPr>
+              <a:xfrm flipH="1" flipV="1">
+                <a:off x="4253344" y="4988299"/>
+                <a:ext cx="3264132" cy="2045"/>
+              </a:xfrm>
+              <a:prstGeom prst="straightConnector1">
+                <a:avLst/>
+              </a:prstGeom>
+              <a:ln w="9525" cap="flat" cmpd="sng" algn="ctr">
+                <a:solidFill>
+                  <a:schemeClr val="accent1"/>
+                </a:solidFill>
+                <a:prstDash val="solid"/>
+                <a:round/>
+                <a:headEnd type="none" w="med" len="med"/>
+                <a:tailEnd type="arrow" w="med" len="med"/>
+              </a:ln>
+            </p:spPr>
+            <p:style>
+              <a:lnRef idx="0">
+                <a:scrgbClr r="0" g="0" b="0"/>
+              </a:lnRef>
+              <a:fillRef idx="0">
+                <a:scrgbClr r="0" g="0" b="0"/>
+              </a:fillRef>
+              <a:effectRef idx="0">
+                <a:scrgbClr r="0" g="0" b="0"/>
+              </a:effectRef>
+              <a:fontRef idx="minor">
+                <a:schemeClr val="tx1"/>
+              </a:fontRef>
+            </p:style>
+          </p:cxnSp>
+          <p:sp>
+            <p:nvSpPr>
+              <p:cNvPr id="34" name="CasellaDiTesto 33">
+                <a:extLst>
+                  <a:ext uri="{FF2B5EF4-FFF2-40B4-BE49-F238E27FC236}">
+                    <a16:creationId xmlns:a16="http://schemas.microsoft.com/office/drawing/2014/main" id="{45EEE0F1-FE03-4FD3-1243-1AF1603957E1}"/>
+                  </a:ext>
+                </a:extLst>
+              </p:cNvPr>
+              <p:cNvSpPr txBox="1"/>
+              <p:nvPr/>
+            </p:nvSpPr>
+            <p:spPr>
+              <a:xfrm>
+                <a:off x="4340882" y="4686551"/>
+                <a:ext cx="2963007" cy="338554"/>
+              </a:xfrm>
+              <a:prstGeom prst="rect">
+                <a:avLst/>
+              </a:prstGeom>
+              <a:noFill/>
+            </p:spPr>
+            <p:txBody>
+              <a:bodyPr wrap="square" rtlCol="0">
+                <a:spAutoFit/>
+              </a:bodyPr>
+              <a:lstStyle/>
+              <a:p>
+                <a:r>
+                  <a:rPr lang="it-IT" sz="1600" b="1" dirty="0"/>
+                  <a:t>9 – </a:t>
+                </a:r>
+                <a:r>
+                  <a:rPr lang="it-IT" sz="1600" dirty="0"/>
+                  <a:t>Invio ID Token e Access Token</a:t>
+                </a:r>
+              </a:p>
+            </p:txBody>
+          </p:sp>
+        </p:grpSp>
+        <p:grpSp>
+          <p:nvGrpSpPr>
+            <p:cNvPr id="25" name="Gruppo 24">
+              <a:extLst>
+                <a:ext uri="{FF2B5EF4-FFF2-40B4-BE49-F238E27FC236}">
+                  <a16:creationId xmlns:a16="http://schemas.microsoft.com/office/drawing/2014/main" id="{F0385A9F-7ACC-3E2C-C6B9-E6126CE57D53}"/>
+                </a:ext>
+              </a:extLst>
+            </p:cNvPr>
+            <p:cNvGrpSpPr/>
+            <p:nvPr/>
+          </p:nvGrpSpPr>
+          <p:grpSpPr>
+            <a:xfrm>
+              <a:off x="4141731" y="5211812"/>
+              <a:ext cx="6292493" cy="360444"/>
+              <a:chOff x="4161465" y="5377407"/>
+              <a:chExt cx="6292493" cy="360444"/>
+            </a:xfrm>
+          </p:grpSpPr>
+          <p:cxnSp>
+            <p:nvCxnSpPr>
+              <p:cNvPr id="31" name="Connettore 2 30">
+                <a:extLst>
+                  <a:ext uri="{FF2B5EF4-FFF2-40B4-BE49-F238E27FC236}">
+                    <a16:creationId xmlns:a16="http://schemas.microsoft.com/office/drawing/2014/main" id="{19F9E7D1-00B7-517C-68E2-3CF5EEE55639}"/>
+                  </a:ext>
+                </a:extLst>
+              </p:cNvPr>
+              <p:cNvCxnSpPr>
+                <a:cxnSpLocks/>
+              </p:cNvCxnSpPr>
+              <p:nvPr/>
+            </p:nvCxnSpPr>
+            <p:spPr>
+              <a:xfrm flipV="1">
+                <a:off x="4161465" y="5640346"/>
+                <a:ext cx="6189146" cy="97505"/>
+              </a:xfrm>
+              <a:prstGeom prst="straightConnector1">
+                <a:avLst/>
+              </a:prstGeom>
+              <a:ln w="9525" cap="flat" cmpd="sng" algn="ctr">
+                <a:solidFill>
+                  <a:schemeClr val="accent1"/>
+                </a:solidFill>
+                <a:prstDash val="solid"/>
+                <a:round/>
+                <a:headEnd type="none" w="med" len="med"/>
+                <a:tailEnd type="arrow" w="med" len="med"/>
+              </a:ln>
+            </p:spPr>
+            <p:style>
+              <a:lnRef idx="0">
+                <a:scrgbClr r="0" g="0" b="0"/>
+              </a:lnRef>
+              <a:fillRef idx="0">
+                <a:scrgbClr r="0" g="0" b="0"/>
+              </a:fillRef>
+              <a:effectRef idx="0">
+                <a:scrgbClr r="0" g="0" b="0"/>
+              </a:effectRef>
+              <a:fontRef idx="minor">
+                <a:schemeClr val="tx1"/>
+              </a:fontRef>
+            </p:style>
+          </p:cxnSp>
+          <p:sp>
+            <p:nvSpPr>
+              <p:cNvPr id="32" name="CasellaDiTesto 31">
+                <a:extLst>
+                  <a:ext uri="{FF2B5EF4-FFF2-40B4-BE49-F238E27FC236}">
+                    <a16:creationId xmlns:a16="http://schemas.microsoft.com/office/drawing/2014/main" id="{7F0C0035-E25E-381D-8458-EF0B7F5E3D86}"/>
+                  </a:ext>
+                </a:extLst>
+              </p:cNvPr>
+              <p:cNvSpPr txBox="1"/>
+              <p:nvPr/>
+            </p:nvSpPr>
+            <p:spPr>
+              <a:xfrm>
+                <a:off x="7473142" y="5377407"/>
+                <a:ext cx="2980816" cy="338554"/>
+              </a:xfrm>
+              <a:prstGeom prst="rect">
+                <a:avLst/>
+              </a:prstGeom>
+              <a:noFill/>
+            </p:spPr>
+            <p:txBody>
+              <a:bodyPr wrap="none" rtlCol="0">
+                <a:spAutoFit/>
+              </a:bodyPr>
+              <a:lstStyle/>
+              <a:p>
+                <a:r>
+                  <a:rPr lang="it-IT" sz="1600" b="1" dirty="0"/>
+                  <a:t>10 – </a:t>
+                </a:r>
+                <a:r>
+                  <a:rPr lang="it-IT" sz="1600" dirty="0"/>
+                  <a:t>Richiesta dati + Access Token</a:t>
+                </a:r>
+              </a:p>
+            </p:txBody>
+          </p:sp>
+        </p:grpSp>
+        <p:grpSp>
+          <p:nvGrpSpPr>
+            <p:cNvPr id="26" name="Gruppo 25">
+              <a:extLst>
+                <a:ext uri="{FF2B5EF4-FFF2-40B4-BE49-F238E27FC236}">
+                  <a16:creationId xmlns:a16="http://schemas.microsoft.com/office/drawing/2014/main" id="{7F18F94E-34E7-0E2A-8ED5-D08BA171C1F9}"/>
+                </a:ext>
+              </a:extLst>
+            </p:cNvPr>
+            <p:cNvGrpSpPr/>
+            <p:nvPr/>
+          </p:nvGrpSpPr>
+          <p:grpSpPr>
+            <a:xfrm>
+              <a:off x="4043992" y="5585535"/>
+              <a:ext cx="6279249" cy="338554"/>
+              <a:chOff x="1568335" y="3555400"/>
+              <a:chExt cx="6035039" cy="338554"/>
+            </a:xfrm>
+          </p:grpSpPr>
+          <p:cxnSp>
+            <p:nvCxnSpPr>
+              <p:cNvPr id="29" name="Connettore 2 28">
+                <a:extLst>
+                  <a:ext uri="{FF2B5EF4-FFF2-40B4-BE49-F238E27FC236}">
+                    <a16:creationId xmlns:a16="http://schemas.microsoft.com/office/drawing/2014/main" id="{D2401B5F-5543-9273-B2B6-792ED3A92126}"/>
+                  </a:ext>
+                </a:extLst>
+              </p:cNvPr>
+              <p:cNvCxnSpPr>
+                <a:cxnSpLocks/>
+              </p:cNvCxnSpPr>
+              <p:nvPr/>
+            </p:nvCxnSpPr>
+            <p:spPr>
+              <a:xfrm rot="21480000" flipH="1" flipV="1">
+                <a:off x="1568335" y="3822959"/>
+                <a:ext cx="5987934" cy="67979"/>
+              </a:xfrm>
+              <a:prstGeom prst="straightConnector1">
+                <a:avLst/>
+              </a:prstGeom>
+              <a:ln w="9525" cap="flat" cmpd="sng" algn="ctr">
+                <a:solidFill>
+                  <a:schemeClr val="accent1"/>
+                </a:solidFill>
+                <a:prstDash val="solid"/>
+                <a:round/>
+                <a:headEnd type="none" w="med" len="med"/>
+                <a:tailEnd type="arrow" w="med" len="med"/>
+              </a:ln>
+            </p:spPr>
+            <p:style>
+              <a:lnRef idx="0">
+                <a:scrgbClr r="0" g="0" b="0"/>
+              </a:lnRef>
+              <a:fillRef idx="0">
+                <a:scrgbClr r="0" g="0" b="0"/>
+              </a:fillRef>
+              <a:effectRef idx="0">
+                <a:scrgbClr r="0" g="0" b="0"/>
+              </a:effectRef>
+              <a:fontRef idx="minor">
+                <a:schemeClr val="tx1"/>
+              </a:fontRef>
+            </p:style>
+          </p:cxnSp>
+          <p:sp>
+            <p:nvSpPr>
+              <p:cNvPr id="30" name="CasellaDiTesto 29">
+                <a:extLst>
+                  <a:ext uri="{FF2B5EF4-FFF2-40B4-BE49-F238E27FC236}">
+                    <a16:creationId xmlns:a16="http://schemas.microsoft.com/office/drawing/2014/main" id="{7FEF12B8-ED9A-155B-48B7-AE49078454E6}"/>
+                  </a:ext>
+                </a:extLst>
+              </p:cNvPr>
+              <p:cNvSpPr txBox="1"/>
+              <p:nvPr/>
+            </p:nvSpPr>
+            <p:spPr>
+              <a:xfrm>
+                <a:off x="1960629" y="3555400"/>
+                <a:ext cx="5642745" cy="338554"/>
+              </a:xfrm>
+              <a:prstGeom prst="rect">
+                <a:avLst/>
+              </a:prstGeom>
+              <a:noFill/>
+            </p:spPr>
+            <p:txBody>
+              <a:bodyPr wrap="square" rtlCol="0">
+                <a:spAutoFit/>
+              </a:bodyPr>
+              <a:lstStyle/>
+              <a:p>
+                <a:r>
+                  <a:rPr lang="it-IT" sz="1600" b="1" dirty="0"/>
+                  <a:t>11 – </a:t>
+                </a:r>
+                <a:r>
+                  <a:rPr lang="it-IT" sz="1600" dirty="0"/>
+                  <a:t>Invio dati</a:t>
+                </a:r>
+              </a:p>
+            </p:txBody>
+          </p:sp>
+        </p:grpSp>
+        <p:pic>
+          <p:nvPicPr>
+            <p:cNvPr id="28" name="Immagine 27">
+              <a:extLst>
+                <a:ext uri="{FF2B5EF4-FFF2-40B4-BE49-F238E27FC236}">
+                  <a16:creationId xmlns:a16="http://schemas.microsoft.com/office/drawing/2014/main" id="{C3AE1310-BEE5-3722-1FC3-D9817F45D6FC}"/>
+                </a:ext>
+              </a:extLst>
+            </p:cNvPr>
+            <p:cNvPicPr>
+              <a:picLocks noChangeAspect="1"/>
+            </p:cNvPicPr>
+            <p:nvPr/>
+          </p:nvPicPr>
+          <p:blipFill>
+            <a:blip r:embed="rId2">
+              <a:extLst>
+                <a:ext uri="{28A0092B-C50C-407E-A947-70E740481C1C}">
+                  <a14:useLocalDpi xmlns:a14="http://schemas.microsoft.com/office/drawing/2010/main" val="0"/>
+                </a:ext>
+              </a:extLst>
+            </a:blip>
+            <a:stretch>
+              <a:fillRect/>
+            </a:stretch>
+          </p:blipFill>
+          <p:spPr>
+            <a:xfrm>
+              <a:off x="8453656" y="1594948"/>
+              <a:ext cx="692985" cy="644354"/>
+            </a:xfrm>
+            <a:prstGeom prst="rect">
+              <a:avLst/>
+            </a:prstGeom>
+          </p:spPr>
+        </p:pic>
+      </p:grpSp>
+    </p:spTree>
+    <p:extLst>
+      <p:ext uri="{BB962C8B-B14F-4D97-AF65-F5344CB8AC3E}">
+        <p14:creationId xmlns:p14="http://schemas.microsoft.com/office/powerpoint/2010/main" val="437692017"/>
+      </p:ext>
+    </p:extLst>
+  </p:cSld>
+  <p:clrMapOvr>
+    <a:masterClrMapping/>
+  </p:clrMapOvr>
+</p:sld>
+</file>
+
+<file path=ppt/slides/slide6.xml><?xml version="1.0" encoding="utf-8"?>
+<p:sld xmlns:a="http://schemas.openxmlformats.org/drawingml/2006/main" xmlns:r="http://schemas.openxmlformats.org/officeDocument/2006/relationships" xmlns:p="http://schemas.openxmlformats.org/presentationml/2006/main">
+  <p:cSld>
+    <p:spTree>
+      <p:nvGrpSpPr>
+        <p:cNvPr id="1" name=""/>
+        <p:cNvGrpSpPr/>
+        <p:nvPr/>
+      </p:nvGrpSpPr>
+      <p:grpSpPr>
+        <a:xfrm>
+          <a:off x="0" y="0"/>
+          <a:ext cx="0" cy="0"/>
+          <a:chOff x="0" y="0"/>
+          <a:chExt cx="0" cy="0"/>
+        </a:xfrm>
+      </p:grpSpPr>
+      <p:sp>
+        <p:nvSpPr>
           <p:cNvPr id="2" name="Titolo 1">
             <a:extLst>
               <a:ext uri="{FF2B5EF4-FFF2-40B4-BE49-F238E27FC236}">
@@ -28400,7 +31481,7 @@
 </p:sld>
 </file>
 
-<file path=ppt/slides/slide6.xml><?xml version="1.0" encoding="utf-8"?>
+<file path=ppt/slides/slide7.xml><?xml version="1.0" encoding="utf-8"?>
 <p:sld xmlns:a="http://schemas.openxmlformats.org/drawingml/2006/main" xmlns:r="http://schemas.openxmlformats.org/officeDocument/2006/relationships" xmlns:p="http://schemas.openxmlformats.org/presentationml/2006/main">
   <p:cSld>
     <p:spTree>
@@ -28493,7 +31574,7 @@
 </p:sld>
 </file>
 
-<file path=ppt/slides/slide7.xml><?xml version="1.0" encoding="utf-8"?>
+<file path=ppt/slides/slide8.xml><?xml version="1.0" encoding="utf-8"?>
 <p:sld xmlns:a="http://schemas.openxmlformats.org/drawingml/2006/main" xmlns:r="http://schemas.openxmlformats.org/officeDocument/2006/relationships" xmlns:p="http://schemas.openxmlformats.org/presentationml/2006/main">
   <p:cSld>
     <p:spTree>
@@ -28689,96 +31770,6 @@
     <p:extLst>
       <p:ext uri="{BB962C8B-B14F-4D97-AF65-F5344CB8AC3E}">
         <p14:creationId xmlns:p14="http://schemas.microsoft.com/office/powerpoint/2010/main" val="1189242678"/>
-      </p:ext>
-    </p:extLst>
-  </p:cSld>
-  <p:clrMapOvr>
-    <a:masterClrMapping/>
-  </p:clrMapOvr>
-</p:sld>
-</file>
-
-<file path=ppt/slides/slide8.xml><?xml version="1.0" encoding="utf-8"?>
-<p:sld xmlns:a="http://schemas.openxmlformats.org/drawingml/2006/main" xmlns:r="http://schemas.openxmlformats.org/officeDocument/2006/relationships" xmlns:p="http://schemas.openxmlformats.org/presentationml/2006/main">
-  <p:cSld>
-    <p:spTree>
-      <p:nvGrpSpPr>
-        <p:cNvPr id="1" name=""/>
-        <p:cNvGrpSpPr/>
-        <p:nvPr/>
-      </p:nvGrpSpPr>
-      <p:grpSpPr>
-        <a:xfrm>
-          <a:off x="0" y="0"/>
-          <a:ext cx="0" cy="0"/>
-          <a:chOff x="0" y="0"/>
-          <a:chExt cx="0" cy="0"/>
-        </a:xfrm>
-      </p:grpSpPr>
-      <p:sp>
-        <p:nvSpPr>
-          <p:cNvPr id="6" name="CasellaDiTesto 5">
-            <a:extLst>
-              <a:ext uri="{FF2B5EF4-FFF2-40B4-BE49-F238E27FC236}">
-                <a16:creationId xmlns:a16="http://schemas.microsoft.com/office/drawing/2014/main" id="{5AA33D12-5915-8B3B-93E7-61536F510D66}"/>
-              </a:ext>
-            </a:extLst>
-          </p:cNvPr>
-          <p:cNvSpPr txBox="1"/>
-          <p:nvPr/>
-        </p:nvSpPr>
-        <p:spPr>
-          <a:xfrm>
-            <a:off x="412786" y="2822305"/>
-            <a:ext cx="11218381" cy="2000548"/>
-          </a:xfrm>
-          <a:prstGeom prst="rect">
-            <a:avLst/>
-          </a:prstGeom>
-          <a:noFill/>
-        </p:spPr>
-        <p:txBody>
-          <a:bodyPr wrap="square">
-            <a:spAutoFit/>
-          </a:bodyPr>
-          <a:lstStyle/>
-          <a:p>
-            <a:pPr algn="ctr"/>
-            <a:r>
-              <a:rPr lang="it-IT" sz="3600" dirty="0"/>
-              <a:t>I problemi creano quasi sempre delle opportunità: imparare, crescere e </a:t>
-            </a:r>
-            <a:r>
-              <a:rPr lang="it-IT" sz="4000" dirty="0"/>
-              <a:t>migliorare</a:t>
-            </a:r>
-            <a:r>
-              <a:rPr lang="it-IT" sz="3600" dirty="0"/>
-              <a:t>.</a:t>
-            </a:r>
-          </a:p>
-          <a:p>
-            <a:pPr algn="r"/>
-            <a:br>
-              <a:rPr lang="it-IT" sz="2400" dirty="0"/>
-            </a:br>
-            <a:r>
-              <a:rPr lang="it-IT" sz="2400" b="1" dirty="0">
-                <a:solidFill>
-                  <a:srgbClr val="444444"/>
-                </a:solidFill>
-                <a:effectLst/>
-                <a:latin typeface="Arial" panose="020B0604020202020204" pitchFamily="34" charset="0"/>
-              </a:rPr>
-              <a:t>John C. Maxwell</a:t>
-            </a:r>
-          </a:p>
-        </p:txBody>
-      </p:sp>
-    </p:spTree>
-    <p:extLst>
-      <p:ext uri="{BB962C8B-B14F-4D97-AF65-F5344CB8AC3E}">
-        <p14:creationId xmlns:p14="http://schemas.microsoft.com/office/powerpoint/2010/main" val="1356531702"/>
       </p:ext>
     </p:extLst>
   </p:cSld>
@@ -28805,46 +31796,70 @@
           <a:chExt cx="0" cy="0"/>
         </a:xfrm>
       </p:grpSpPr>
-      <p:pic>
-        <p:nvPicPr>
-          <p:cNvPr id="3" name="Immagine 2">
+      <p:sp>
+        <p:nvSpPr>
+          <p:cNvPr id="6" name="CasellaDiTesto 5">
             <a:extLst>
               <a:ext uri="{FF2B5EF4-FFF2-40B4-BE49-F238E27FC236}">
-                <a16:creationId xmlns:a16="http://schemas.microsoft.com/office/drawing/2014/main" id="{BA12BC75-AAEA-6FF7-3670-264F66462587}"/>
+                <a16:creationId xmlns:a16="http://schemas.microsoft.com/office/drawing/2014/main" id="{5AA33D12-5915-8B3B-93E7-61536F510D66}"/>
               </a:ext>
             </a:extLst>
           </p:cNvPr>
-          <p:cNvPicPr>
-            <a:picLocks noChangeAspect="1"/>
-          </p:cNvPicPr>
+          <p:cNvSpPr txBox="1"/>
           <p:nvPr/>
-        </p:nvPicPr>
-        <p:blipFill>
-          <a:blip r:embed="rId2">
-            <a:extLst>
-              <a:ext uri="{28A0092B-C50C-407E-A947-70E740481C1C}">
-                <a14:useLocalDpi xmlns:a14="http://schemas.microsoft.com/office/drawing/2010/main" val="0"/>
-              </a:ext>
-            </a:extLst>
-          </a:blip>
-          <a:stretch>
-            <a:fillRect/>
-          </a:stretch>
-        </p:blipFill>
+        </p:nvSpPr>
         <p:spPr>
           <a:xfrm>
-            <a:off x="2069156" y="1475684"/>
-            <a:ext cx="7437501" cy="5215001"/>
+            <a:off x="412786" y="2822305"/>
+            <a:ext cx="11218381" cy="2000548"/>
           </a:xfrm>
           <a:prstGeom prst="rect">
             <a:avLst/>
           </a:prstGeom>
+          <a:noFill/>
         </p:spPr>
-      </p:pic>
+        <p:txBody>
+          <a:bodyPr wrap="square">
+            <a:spAutoFit/>
+          </a:bodyPr>
+          <a:lstStyle/>
+          <a:p>
+            <a:pPr algn="ctr"/>
+            <a:r>
+              <a:rPr lang="it-IT" sz="3600" dirty="0"/>
+              <a:t>I problemi creano quasi sempre delle opportunità: imparare, crescere e </a:t>
+            </a:r>
+            <a:r>
+              <a:rPr lang="it-IT" sz="4000" dirty="0"/>
+              <a:t>migliorare</a:t>
+            </a:r>
+            <a:r>
+              <a:rPr lang="it-IT" sz="3600" dirty="0"/>
+              <a:t>.</a:t>
+            </a:r>
+          </a:p>
+          <a:p>
+            <a:pPr algn="r"/>
+            <a:br>
+              <a:rPr lang="it-IT" sz="2400" dirty="0"/>
+            </a:br>
+            <a:r>
+              <a:rPr lang="it-IT" sz="2400" b="1" dirty="0">
+                <a:solidFill>
+                  <a:srgbClr val="444444"/>
+                </a:solidFill>
+                <a:effectLst/>
+                <a:latin typeface="Arial" panose="020B0604020202020204" pitchFamily="34" charset="0"/>
+              </a:rPr>
+              <a:t>John C. Maxwell</a:t>
+            </a:r>
+          </a:p>
+        </p:txBody>
+      </p:sp>
     </p:spTree>
     <p:extLst>
       <p:ext uri="{BB962C8B-B14F-4D97-AF65-F5344CB8AC3E}">
-        <p14:creationId xmlns:p14="http://schemas.microsoft.com/office/powerpoint/2010/main" val="3958022943"/>
+        <p14:creationId xmlns:p14="http://schemas.microsoft.com/office/powerpoint/2010/main" val="1356531702"/>
       </p:ext>
     </p:extLst>
   </p:cSld>

--- a/AzureDay2022.pptx
+++ b/AzureDay2022.pptx
@@ -31646,7 +31646,7 @@
         </p:spPr>
         <p:txBody>
           <a:bodyPr>
-            <a:normAutofit lnSpcReduction="10000"/>
+            <a:normAutofit fontScale="92500" lnSpcReduction="20000"/>
           </a:bodyPr>
           <a:lstStyle/>
           <a:p>
@@ -31655,15 +31655,7 @@
           <a:p>
             <a:r>
               <a:rPr lang="it-IT" dirty="0"/>
-              <a:t>Configurare Azure </a:t>
-            </a:r>
-            <a:r>
-              <a:rPr lang="it-IT" dirty="0" err="1"/>
-              <a:t>Function</a:t>
-            </a:r>
-            <a:r>
-              <a:rPr lang="it-IT" dirty="0"/>
-              <a:t> ad utilizzare Azure B2C Login</a:t>
+              <a:t>Progetto GitHub</a:t>
             </a:r>
             <a:br>
               <a:rPr lang="it-IT" dirty="0"/>
@@ -31681,37 +31673,32 @@
                   </a:extLst>
                 </a:hlinkClick>
               </a:rPr>
-              <a:t>https://docs.microsoft.com/en-us/azure/app-service/configure-authentication-provider-aad</a:t>
-            </a:r>
-            <a:r>
-              <a:rPr lang="it-IT" dirty="0">
-                <a:solidFill>
-                  <a:schemeClr val="tx1"/>
-                </a:solidFill>
-              </a:rPr>
+              <a:t>https://github.com/dandresini/azuredayb2c2022</a:t>
+            </a:r>
+            <a:r>
+              <a:rPr lang="it-IT" dirty="0"/>
               <a:t> </a:t>
             </a:r>
             <a:br>
               <a:rPr lang="it-IT" dirty="0"/>
             </a:br>
-            <a:endParaRPr lang="it-IT" dirty="0"/>
-          </a:p>
-          <a:p>
-            <a:r>
+            <a:br>
               <a:rPr lang="it-IT" dirty="0"/>
-              <a:t>Realizzare un progetto </a:t>
+            </a:br>
+            <a:br>
+              <a:rPr lang="it-IT" dirty="0"/>
+            </a:br>
+            <a:r>
+              <a:rPr lang="it-IT" dirty="0"/>
+              <a:t>Configurare Azure </a:t>
             </a:r>
             <a:r>
               <a:rPr lang="it-IT" dirty="0" err="1"/>
-              <a:t>react</a:t>
+              <a:t>Function</a:t>
             </a:r>
             <a:r>
               <a:rPr lang="it-IT" dirty="0"/>
-              <a:t> con libreria </a:t>
-            </a:r>
-            <a:r>
-              <a:rPr lang="it-IT" dirty="0" err="1"/>
-              <a:t>msal</a:t>
+              <a:t> utilizzando Azure B2C</a:t>
             </a:r>
             <a:br>
               <a:rPr lang="it-IT" dirty="0"/>
@@ -31729,7 +31716,7 @@
                   </a:extLst>
                 </a:hlinkClick>
               </a:rPr>
-              <a:t>https://docs.microsoft.com/en-us/azure/active-directory/develop/tutorial-v2-react</a:t>
+              <a:t>https://docs.microsoft.com/en-us/azure/app-service/configure-authentication-provider-aad</a:t>
             </a:r>
             <a:r>
               <a:rPr lang="it-IT" dirty="0">
@@ -31739,30 +31726,82 @@
               </a:rPr>
               <a:t> </a:t>
             </a:r>
-          </a:p>
-          <a:p>
-            <a:endParaRPr lang="it-IT" dirty="0"/>
-          </a:p>
-          <a:p>
-            <a:r>
-              <a:rPr lang="it-IT" dirty="0"/>
-              <a:t>Custom Binding per Azure </a:t>
-            </a:r>
-            <a:r>
-              <a:rPr lang="it-IT" dirty="0" err="1"/>
-              <a:t>Function</a:t>
-            </a:r>
             <a:br>
               <a:rPr lang="it-IT" dirty="0"/>
             </a:br>
+            <a:endParaRPr lang="it-IT" dirty="0"/>
+          </a:p>
+          <a:p>
+            <a:r>
+              <a:rPr lang="it-IT" dirty="0"/>
+              <a:t>Realizzare un progetto React con libreria </a:t>
+            </a:r>
+            <a:r>
+              <a:rPr lang="it-IT" dirty="0" err="1"/>
+              <a:t>msal</a:t>
+            </a:r>
+            <a:br>
+              <a:rPr lang="it-IT" dirty="0"/>
+            </a:br>
+            <a:r>
+              <a:rPr lang="it-IT" dirty="0">
+                <a:solidFill>
+                  <a:schemeClr val="tx1"/>
+                </a:solidFill>
+                <a:hlinkClick r:id="rId4">
+                  <a:extLst>
+                    <a:ext uri="{A12FA001-AC4F-418D-AE19-62706E023703}">
+                      <ahyp:hlinkClr xmlns:ahyp="http://schemas.microsoft.com/office/drawing/2018/hyperlinkcolor" val="tx"/>
+                    </a:ext>
+                  </a:extLst>
+                </a:hlinkClick>
+              </a:rPr>
+              <a:t>https://docs.microsoft.com/en-us/azure/active-directory/develop/tutorial-v2-react</a:t>
+            </a:r>
             <a:r>
               <a:rPr lang="it-IT" dirty="0">
                 <a:solidFill>
                   <a:schemeClr val="tx1"/>
                 </a:solidFill>
               </a:rPr>
-              <a:t>https://www.red-gate.com/simple-talk/blogs/custom-binding-azure-functions/</a:t>
-            </a:r>
+              <a:t> </a:t>
+            </a:r>
+          </a:p>
+          <a:p>
+            <a:endParaRPr lang="it-IT" dirty="0"/>
+          </a:p>
+          <a:p>
+            <a:r>
+              <a:rPr lang="it-IT" dirty="0"/>
+              <a:t>Custom Binding per Azure </a:t>
+            </a:r>
+            <a:r>
+              <a:rPr lang="it-IT" dirty="0" err="1"/>
+              <a:t>Function</a:t>
+            </a:r>
+            <a:br>
+              <a:rPr lang="it-IT" dirty="0"/>
+            </a:br>
+            <a:r>
+              <a:rPr lang="it-IT" dirty="0">
+                <a:solidFill>
+                  <a:schemeClr val="tx1"/>
+                </a:solidFill>
+                <a:hlinkClick r:id="rId5">
+                  <a:extLst>
+                    <a:ext uri="{A12FA001-AC4F-418D-AE19-62706E023703}">
+                      <ahyp:hlinkClr xmlns:ahyp="http://schemas.microsoft.com/office/drawing/2018/hyperlinkcolor" val="tx"/>
+                    </a:ext>
+                  </a:extLst>
+                </a:hlinkClick>
+              </a:rPr>
+              <a:t>https://www.red-gate.com/simple-talk/blogs/custom-binding-azure-functions</a:t>
+            </a:r>
+            <a:endParaRPr lang="it-IT" dirty="0">
+              <a:solidFill>
+                <a:schemeClr val="tx1"/>
+              </a:solidFill>
+            </a:endParaRPr>
           </a:p>
         </p:txBody>
       </p:sp>

--- a/AzureDay2022.pptx
+++ b/AzureDay2022.pptx
@@ -31895,6 +31895,138 @@
           </a:p>
         </p:txBody>
       </p:sp>
+      <p:sp>
+        <p:nvSpPr>
+          <p:cNvPr id="4" name="CasellaDiTesto 3">
+            <a:extLst>
+              <a:ext uri="{FF2B5EF4-FFF2-40B4-BE49-F238E27FC236}">
+                <a16:creationId xmlns:a16="http://schemas.microsoft.com/office/drawing/2014/main" id="{3C3B9D91-7784-D48E-60DD-5B2CA805B624}"/>
+              </a:ext>
+            </a:extLst>
+          </p:cNvPr>
+          <p:cNvSpPr txBox="1"/>
+          <p:nvPr/>
+        </p:nvSpPr>
+        <p:spPr>
+          <a:xfrm>
+            <a:off x="322652" y="5913076"/>
+            <a:ext cx="6100354" cy="461665"/>
+          </a:xfrm>
+          <a:prstGeom prst="rect">
+            <a:avLst/>
+          </a:prstGeom>
+          <a:noFill/>
+        </p:spPr>
+        <p:txBody>
+          <a:bodyPr wrap="square">
+            <a:spAutoFit/>
+          </a:bodyPr>
+          <a:lstStyle/>
+          <a:p>
+            <a:r>
+              <a:rPr lang="it-IT" sz="2400" dirty="0">
+                <a:solidFill>
+                  <a:schemeClr val="tx2"/>
+                </a:solidFill>
+                <a:hlinkClick r:id="rId2"/>
+              </a:rPr>
+              <a:t>https://www.linkedin.com/in/dandresini</a:t>
+            </a:r>
+            <a:r>
+              <a:rPr lang="it-IT" sz="2400" dirty="0">
+                <a:solidFill>
+                  <a:schemeClr val="tx2"/>
+                </a:solidFill>
+              </a:rPr>
+              <a:t> </a:t>
+            </a:r>
+          </a:p>
+        </p:txBody>
+      </p:sp>
+      <p:pic>
+        <p:nvPicPr>
+          <p:cNvPr id="5" name="Immagine 4">
+            <a:extLst>
+              <a:ext uri="{FF2B5EF4-FFF2-40B4-BE49-F238E27FC236}">
+                <a16:creationId xmlns:a16="http://schemas.microsoft.com/office/drawing/2014/main" id="{46B8A268-940E-186D-80C9-2FF18F8B6672}"/>
+              </a:ext>
+            </a:extLst>
+          </p:cNvPr>
+          <p:cNvPicPr>
+            <a:picLocks noChangeAspect="1"/>
+          </p:cNvPicPr>
+          <p:nvPr/>
+        </p:nvPicPr>
+        <p:blipFill>
+          <a:blip r:embed="rId3">
+            <a:extLst>
+              <a:ext uri="{28A0092B-C50C-407E-A947-70E740481C1C}">
+                <a14:useLocalDpi xmlns:a14="http://schemas.microsoft.com/office/drawing/2010/main" val="0"/>
+              </a:ext>
+            </a:extLst>
+          </a:blip>
+          <a:stretch>
+            <a:fillRect/>
+          </a:stretch>
+        </p:blipFill>
+        <p:spPr>
+          <a:xfrm>
+            <a:off x="412786" y="5392348"/>
+            <a:ext cx="572152" cy="572152"/>
+          </a:xfrm>
+          <a:prstGeom prst="rect">
+            <a:avLst/>
+          </a:prstGeom>
+        </p:spPr>
+      </p:pic>
+      <p:sp>
+        <p:nvSpPr>
+          <p:cNvPr id="7" name="CasellaDiTesto 6">
+            <a:extLst>
+              <a:ext uri="{FF2B5EF4-FFF2-40B4-BE49-F238E27FC236}">
+                <a16:creationId xmlns:a16="http://schemas.microsoft.com/office/drawing/2014/main" id="{150C89C2-33D6-F5C7-F814-7A41F3F8F979}"/>
+              </a:ext>
+            </a:extLst>
+          </p:cNvPr>
+          <p:cNvSpPr txBox="1"/>
+          <p:nvPr/>
+        </p:nvSpPr>
+        <p:spPr>
+          <a:xfrm>
+            <a:off x="935301" y="5343581"/>
+            <a:ext cx="2858731" cy="646331"/>
+          </a:xfrm>
+          <a:prstGeom prst="rect">
+            <a:avLst/>
+          </a:prstGeom>
+          <a:noFill/>
+        </p:spPr>
+        <p:txBody>
+          <a:bodyPr wrap="none" rtlCol="0">
+            <a:spAutoFit/>
+          </a:bodyPr>
+          <a:lstStyle/>
+          <a:p>
+            <a:r>
+              <a:rPr lang="it-IT" dirty="0"/>
+              <a:t>Damiano Andresini @Cotrap</a:t>
+            </a:r>
+            <a:br>
+              <a:rPr lang="it-IT" dirty="0"/>
+            </a:br>
+            <a:r>
+              <a:rPr lang="it-IT" dirty="0">
+                <a:hlinkClick r:id="rId4"/>
+              </a:rPr>
+              <a:t>d.andresini@cotrap.it</a:t>
+            </a:r>
+            <a:r>
+              <a:rPr lang="it-IT" dirty="0"/>
+              <a:t> </a:t>
+            </a:r>
+          </a:p>
+        </p:txBody>
+      </p:sp>
     </p:spTree>
     <p:extLst>
       <p:ext uri="{BB962C8B-B14F-4D97-AF65-F5344CB8AC3E}">
